--- a/Offline/Marketing/MarketingArtworks/pptx/PujoPandalBrandAmbassador.pptx
+++ b/Offline/Marketing/MarketingArtworks/pptx/PujoPandalBrandAmbassador.pptx
@@ -243,7 +243,7 @@
           <a:p>
             <a:fld id="{E3759604-EFD2-4C79-BE13-E71CA39EA512}" type="datetimeFigureOut">
               <a:rPr lang="en-US" smtClean="0"/>
-              <a:t>8/11/2023</a:t>
+              <a:t>8/13/2023</a:t>
             </a:fld>
             <a:endParaRPr lang="en-US"/>
           </a:p>
@@ -413,7 +413,7 @@
           <a:p>
             <a:fld id="{E3759604-EFD2-4C79-BE13-E71CA39EA512}" type="datetimeFigureOut">
               <a:rPr lang="en-US" smtClean="0"/>
-              <a:t>8/11/2023</a:t>
+              <a:t>8/13/2023</a:t>
             </a:fld>
             <a:endParaRPr lang="en-US"/>
           </a:p>
@@ -593,7 +593,7 @@
           <a:p>
             <a:fld id="{E3759604-EFD2-4C79-BE13-E71CA39EA512}" type="datetimeFigureOut">
               <a:rPr lang="en-US" smtClean="0"/>
-              <a:t>8/11/2023</a:t>
+              <a:t>8/13/2023</a:t>
             </a:fld>
             <a:endParaRPr lang="en-US"/>
           </a:p>
@@ -763,7 +763,7 @@
           <a:p>
             <a:fld id="{E3759604-EFD2-4C79-BE13-E71CA39EA512}" type="datetimeFigureOut">
               <a:rPr lang="en-US" smtClean="0"/>
-              <a:t>8/11/2023</a:t>
+              <a:t>8/13/2023</a:t>
             </a:fld>
             <a:endParaRPr lang="en-US"/>
           </a:p>
@@ -1007,7 +1007,7 @@
           <a:p>
             <a:fld id="{E3759604-EFD2-4C79-BE13-E71CA39EA512}" type="datetimeFigureOut">
               <a:rPr lang="en-US" smtClean="0"/>
-              <a:t>8/11/2023</a:t>
+              <a:t>8/13/2023</a:t>
             </a:fld>
             <a:endParaRPr lang="en-US"/>
           </a:p>
@@ -1239,7 +1239,7 @@
           <a:p>
             <a:fld id="{E3759604-EFD2-4C79-BE13-E71CA39EA512}" type="datetimeFigureOut">
               <a:rPr lang="en-US" smtClean="0"/>
-              <a:t>8/11/2023</a:t>
+              <a:t>8/13/2023</a:t>
             </a:fld>
             <a:endParaRPr lang="en-US"/>
           </a:p>
@@ -1606,7 +1606,7 @@
           <a:p>
             <a:fld id="{E3759604-EFD2-4C79-BE13-E71CA39EA512}" type="datetimeFigureOut">
               <a:rPr lang="en-US" smtClean="0"/>
-              <a:t>8/11/2023</a:t>
+              <a:t>8/13/2023</a:t>
             </a:fld>
             <a:endParaRPr lang="en-US"/>
           </a:p>
@@ -1724,7 +1724,7 @@
           <a:p>
             <a:fld id="{E3759604-EFD2-4C79-BE13-E71CA39EA512}" type="datetimeFigureOut">
               <a:rPr lang="en-US" smtClean="0"/>
-              <a:t>8/11/2023</a:t>
+              <a:t>8/13/2023</a:t>
             </a:fld>
             <a:endParaRPr lang="en-US"/>
           </a:p>
@@ -1819,7 +1819,7 @@
           <a:p>
             <a:fld id="{E3759604-EFD2-4C79-BE13-E71CA39EA512}" type="datetimeFigureOut">
               <a:rPr lang="en-US" smtClean="0"/>
-              <a:t>8/11/2023</a:t>
+              <a:t>8/13/2023</a:t>
             </a:fld>
             <a:endParaRPr lang="en-US"/>
           </a:p>
@@ -2096,7 +2096,7 @@
           <a:p>
             <a:fld id="{E3759604-EFD2-4C79-BE13-E71CA39EA512}" type="datetimeFigureOut">
               <a:rPr lang="en-US" smtClean="0"/>
-              <a:t>8/11/2023</a:t>
+              <a:t>8/13/2023</a:t>
             </a:fld>
             <a:endParaRPr lang="en-US"/>
           </a:p>
@@ -2353,7 +2353,7 @@
           <a:p>
             <a:fld id="{E3759604-EFD2-4C79-BE13-E71CA39EA512}" type="datetimeFigureOut">
               <a:rPr lang="en-US" smtClean="0"/>
-              <a:t>8/11/2023</a:t>
+              <a:t>8/13/2023</a:t>
             </a:fld>
             <a:endParaRPr lang="en-US"/>
           </a:p>
@@ -2566,7 +2566,7 @@
           <a:p>
             <a:fld id="{E3759604-EFD2-4C79-BE13-E71CA39EA512}" type="datetimeFigureOut">
               <a:rPr lang="en-US" smtClean="0"/>
-              <a:t>8/11/2023</a:t>
+              <a:t>8/13/2023</a:t>
             </a:fld>
             <a:endParaRPr lang="en-US"/>
           </a:p>
@@ -3021,8 +3021,8 @@
         </p:nvSpPr>
         <p:spPr>
           <a:xfrm>
-            <a:off x="-542" y="48077702"/>
-            <a:ext cx="25603742" cy="3128698"/>
+            <a:off x="-542" y="48592874"/>
+            <a:ext cx="25603742" cy="2613526"/>
           </a:xfrm>
           <a:prstGeom prst="rect">
             <a:avLst/>
@@ -3115,8 +3115,8 @@
         </p:blipFill>
         <p:spPr bwMode="auto">
           <a:xfrm>
-            <a:off x="3069466" y="49329559"/>
-            <a:ext cx="1479694" cy="1479694"/>
+            <a:off x="1067307" y="49589322"/>
+            <a:ext cx="1345176" cy="1345176"/>
           </a:xfrm>
           <a:prstGeom prst="rect">
             <a:avLst/>
@@ -3133,53 +3133,6 @@
           </a:extLst>
         </p:spPr>
       </p:pic>
-      <p:pic>
-        <p:nvPicPr>
-          <p:cNvPr id="34" name="Picture 16" descr="Linkedin logo png, Linkedin icon transparent png 18930587 PNG">
-            <a:extLst>
-              <a:ext uri="{FF2B5EF4-FFF2-40B4-BE49-F238E27FC236}">
-                <a16:creationId xmlns:a16="http://schemas.microsoft.com/office/drawing/2014/main" id="{3384B965-D3AF-BA2B-55AE-3685B94C1BA4}"/>
-              </a:ext>
-            </a:extLst>
-          </p:cNvPr>
-          <p:cNvPicPr>
-            <a:picLocks noChangeAspect="1" noChangeArrowheads="1"/>
-          </p:cNvPicPr>
-          <p:nvPr/>
-        </p:nvPicPr>
-        <p:blipFill>
-          <a:blip r:embed="rId4" cstate="print">
-            <a:extLst>
-              <a:ext uri="{28A0092B-C50C-407E-A947-70E740481C1C}">
-                <a14:useLocalDpi xmlns:a14="http://schemas.microsoft.com/office/drawing/2010/main" val="0"/>
-              </a:ext>
-            </a:extLst>
-          </a:blip>
-          <a:srcRect/>
-          <a:stretch>
-            <a:fillRect/>
-          </a:stretch>
-        </p:blipFill>
-        <p:spPr bwMode="auto">
-          <a:xfrm>
-            <a:off x="542889" y="48776557"/>
-            <a:ext cx="2585701" cy="2585701"/>
-          </a:xfrm>
-          <a:prstGeom prst="rect">
-            <a:avLst/>
-          </a:prstGeom>
-          <a:noFill/>
-          <a:extLst>
-            <a:ext uri="{909E8E84-426E-40DD-AFC4-6F175D3DCCD1}">
-              <a14:hiddenFill xmlns:a14="http://schemas.microsoft.com/office/drawing/2010/main">
-                <a:solidFill>
-                  <a:srgbClr val="FFFFFF"/>
-                </a:solidFill>
-              </a14:hiddenFill>
-            </a:ext>
-          </a:extLst>
-        </p:spPr>
-      </p:pic>
       <p:sp>
         <p:nvSpPr>
           <p:cNvPr id="36" name="Rectangle 35">
@@ -3194,7 +3147,7 @@
         </p:nvSpPr>
         <p:spPr>
           <a:xfrm>
-            <a:off x="8814147" y="49713997"/>
+            <a:off x="8621643" y="49810249"/>
             <a:ext cx="16517663" cy="1015663"/>
           </a:xfrm>
           <a:prstGeom prst="rect">
@@ -3239,7 +3192,7 @@
           <p:nvPr/>
         </p:nvPicPr>
         <p:blipFill>
-          <a:blip r:embed="rId5">
+          <a:blip r:embed="rId4">
             <a:extLst>
               <a:ext uri="{28A0092B-C50C-407E-A947-70E740481C1C}">
                 <a14:useLocalDpi xmlns:a14="http://schemas.microsoft.com/office/drawing/2010/main" val="0"/>
@@ -3275,7 +3228,7 @@
           <p:nvPr/>
         </p:nvPicPr>
         <p:blipFill>
-          <a:blip r:embed="rId6">
+          <a:blip r:embed="rId5">
             <a:extLst>
               <a:ext uri="{28A0092B-C50C-407E-A947-70E740481C1C}">
                 <a14:useLocalDpi xmlns:a14="http://schemas.microsoft.com/office/drawing/2010/main" val="0"/>
@@ -3311,7 +3264,7 @@
           <p:nvPr/>
         </p:nvPicPr>
         <p:blipFill>
-          <a:blip r:embed="rId7"/>
+          <a:blip r:embed="rId6"/>
           <a:stretch>
             <a:fillRect/>
           </a:stretch>
@@ -3341,7 +3294,7 @@
           <p:nvPr/>
         </p:nvPicPr>
         <p:blipFill>
-          <a:blip r:embed="rId8"/>
+          <a:blip r:embed="rId7"/>
           <a:stretch>
             <a:fillRect/>
           </a:stretch>
@@ -3370,7 +3323,7 @@
         </p:nvSpPr>
         <p:spPr>
           <a:xfrm>
-            <a:off x="271389" y="7022343"/>
+            <a:off x="271389" y="7118595"/>
             <a:ext cx="12530211" cy="1446550"/>
           </a:xfrm>
           <a:prstGeom prst="rect">
@@ -3397,7 +3350,7 @@
                   <a:srgbClr val="C00000"/>
                 </a:solidFill>
                 <a:effectLst>
-                  <a:glow rad="50800">
+                  <a:glow>
                     <a:srgbClr val="C00000">
                       <a:alpha val="40000"/>
                     </a:srgbClr>
@@ -3423,7 +3376,7 @@
                 <a:srgbClr val="C00000"/>
               </a:solidFill>
               <a:effectLst>
-                <a:glow rad="50800">
+                <a:glow>
                   <a:srgbClr val="C00000">
                     <a:alpha val="40000"/>
                   </a:srgbClr>
@@ -3454,7 +3407,7 @@
         <p:spPr>
           <a:xfrm>
             <a:off x="613613" y="8548949"/>
-            <a:ext cx="11705152" cy="2492990"/>
+            <a:ext cx="11705152" cy="2369880"/>
           </a:xfrm>
           <a:prstGeom prst="rect">
             <a:avLst/>
@@ -3496,7 +3449,7 @@
               <a:t>N-1/25 </a:t>
             </a:r>
             <a:r>
-              <a:rPr lang="en-US" sz="9600" b="1" cap="small" dirty="0">
+              <a:rPr lang="en-US" sz="8800" b="1" cap="small" dirty="0">
                 <a:ln w="6600">
                   <a:solidFill>
                     <a:srgbClr val="C00000"/>
@@ -3507,7 +3460,7 @@
                   <a:srgbClr val="C00000"/>
                 </a:solidFill>
                 <a:effectLst>
-                  <a:glow rad="63500">
+                  <a:glow>
                     <a:srgbClr val="C00000">
                       <a:alpha val="40000"/>
                     </a:srgbClr>
@@ -3597,7 +3550,7 @@
           <p:nvPr/>
         </p:nvPicPr>
         <p:blipFill>
-          <a:blip r:embed="rId9" cstate="print">
+          <a:blip r:embed="rId8" cstate="print">
             <a:extLst>
               <a:ext uri="{28A0092B-C50C-407E-A947-70E740481C1C}">
                 <a14:useLocalDpi xmlns:a14="http://schemas.microsoft.com/office/drawing/2010/main" val="0"/>
@@ -3611,8 +3564,8 @@
         </p:blipFill>
         <p:spPr bwMode="auto">
           <a:xfrm>
-            <a:off x="9878448" y="11681682"/>
-            <a:ext cx="1046991" cy="1046991"/>
+            <a:off x="9961018" y="11475496"/>
+            <a:ext cx="1266859" cy="1266859"/>
           </a:xfrm>
           <a:prstGeom prst="rect">
             <a:avLst/>
@@ -3643,7 +3596,7 @@
         </p:nvSpPr>
         <p:spPr>
           <a:xfrm>
-            <a:off x="2409463" y="11098330"/>
+            <a:off x="2409463" y="11002078"/>
             <a:ext cx="8376402" cy="1707262"/>
           </a:xfrm>
           <a:prstGeom prst="rect">
@@ -3673,7 +3626,7 @@
                   <a:srgbClr val="C00000"/>
                 </a:solidFill>
                 <a:effectLst>
-                  <a:glow rad="63500">
+                  <a:glow>
                     <a:srgbClr val="C00000">
                       <a:alpha val="40000"/>
                     </a:srgbClr>
@@ -3699,7 +3652,7 @@
                 <a:srgbClr val="C00000"/>
               </a:solidFill>
               <a:effectLst>
-                <a:glow rad="63500">
+                <a:glow>
                   <a:srgbClr val="C00000">
                     <a:alpha val="40000"/>
                   </a:srgbClr>
@@ -3730,7 +3683,7 @@
           <p:nvPr/>
         </p:nvPicPr>
         <p:blipFill>
-          <a:blip r:embed="rId10" cstate="print">
+          <a:blip r:embed="rId9" cstate="print">
             <a:extLst>
               <a:ext uri="{28A0092B-C50C-407E-A947-70E740481C1C}">
                 <a14:useLocalDpi xmlns:a14="http://schemas.microsoft.com/office/drawing/2010/main" val="0"/>
@@ -3744,8 +3697,8 @@
         </p:blipFill>
         <p:spPr bwMode="auto">
           <a:xfrm>
-            <a:off x="2430309" y="11681682"/>
-            <a:ext cx="964851" cy="964851"/>
+            <a:off x="2136495" y="11484120"/>
+            <a:ext cx="1167470" cy="1167470"/>
           </a:xfrm>
           <a:prstGeom prst="rect">
             <a:avLst/>
@@ -3764,107 +3717,6 @@
       </p:pic>
       <p:sp>
         <p:nvSpPr>
-          <p:cNvPr id="21" name="32-Point Star 20">
-            <a:extLst>
-              <a:ext uri="{FF2B5EF4-FFF2-40B4-BE49-F238E27FC236}">
-                <a16:creationId xmlns:a16="http://schemas.microsoft.com/office/drawing/2014/main" id="{7CB66069-D8E9-F2C7-9AD3-5AA7D196038D}"/>
-              </a:ext>
-            </a:extLst>
-          </p:cNvPr>
-          <p:cNvSpPr/>
-          <p:nvPr/>
-        </p:nvSpPr>
-        <p:spPr>
-          <a:xfrm rot="21243013">
-            <a:off x="1085799" y="27249833"/>
-            <a:ext cx="10755483" cy="4908160"/>
-          </a:xfrm>
-          <a:prstGeom prst="star32">
-            <a:avLst/>
-          </a:prstGeom>
-          <a:solidFill>
-            <a:srgbClr val="002060"/>
-          </a:solidFill>
-          <a:ln w="254000">
-            <a:solidFill>
-              <a:srgbClr val="FF0000"/>
-            </a:solidFill>
-          </a:ln>
-        </p:spPr>
-        <p:style>
-          <a:lnRef idx="2">
-            <a:schemeClr val="accent1">
-              <a:shade val="50000"/>
-            </a:schemeClr>
-          </a:lnRef>
-          <a:fillRef idx="1">
-            <a:schemeClr val="accent1"/>
-          </a:fillRef>
-          <a:effectRef idx="0">
-            <a:schemeClr val="accent1"/>
-          </a:effectRef>
-          <a:fontRef idx="minor">
-            <a:schemeClr val="lt1"/>
-          </a:fontRef>
-        </p:style>
-        <p:txBody>
-          <a:bodyPr rtlCol="0" anchor="ctr"/>
-          <a:lstStyle/>
-          <a:p>
-            <a:pPr algn="ctr"/>
-            <a:r>
-              <a:rPr lang="en-US" sz="3600" b="1" cap="small" dirty="0">
-                <a:solidFill>
-                  <a:schemeClr val="bg1"/>
-                </a:solidFill>
-                <a:latin typeface="Oxygen" panose="02000503000000000000" pitchFamily="2" charset="0"/>
-              </a:rPr>
-              <a:t>Upto </a:t>
-            </a:r>
-            <a:r>
-              <a:rPr lang="en-US" sz="12500" b="1" cap="small" dirty="0">
-                <a:solidFill>
-                  <a:schemeClr val="bg1"/>
-                </a:solidFill>
-                <a:latin typeface="Oxygen" panose="02000503000000000000" pitchFamily="2" charset="0"/>
-              </a:rPr>
-              <a:t>50%</a:t>
-            </a:r>
-            <a:r>
-              <a:rPr lang="en-US" sz="3600" b="1" cap="small" dirty="0">
-                <a:solidFill>
-                  <a:schemeClr val="bg1"/>
-                </a:solidFill>
-                <a:latin typeface="Oxygen" panose="02000503000000000000" pitchFamily="2" charset="0"/>
-              </a:rPr>
-              <a:t> Off</a:t>
-            </a:r>
-            <a:r>
-              <a:rPr lang="en-US" sz="5400" b="1" cap="small" dirty="0">
-                <a:solidFill>
-                  <a:schemeClr val="bg1"/>
-                </a:solidFill>
-                <a:latin typeface="Oxygen" panose="02000503000000000000" pitchFamily="2" charset="0"/>
-              </a:rPr>
-              <a:t> </a:t>
-            </a:r>
-          </a:p>
-          <a:p>
-            <a:pPr algn="ctr"/>
-            <a:r>
-              <a:rPr lang="en-US" sz="3600" b="1" cap="small" dirty="0">
-                <a:solidFill>
-                  <a:schemeClr val="bg1"/>
-                </a:solidFill>
-                <a:latin typeface="Oxygen" panose="02000503000000000000" pitchFamily="2" charset="0"/>
-              </a:rPr>
-              <a:t>T&amp;C Applies</a:t>
-            </a:r>
-          </a:p>
-        </p:txBody>
-      </p:sp>
-      <p:sp>
-        <p:nvSpPr>
           <p:cNvPr id="49" name="TextBox 48">
             <a:extLst>
               <a:ext uri="{FF2B5EF4-FFF2-40B4-BE49-F238E27FC236}">
@@ -3877,8 +3729,8 @@
         </p:nvSpPr>
         <p:spPr>
           <a:xfrm>
-            <a:off x="0" y="46280146"/>
-            <a:ext cx="25603742" cy="2123658"/>
+            <a:off x="0" y="46087642"/>
+            <a:ext cx="25603742" cy="2585323"/>
           </a:xfrm>
           <a:prstGeom prst="rect">
             <a:avLst/>
@@ -3893,30 +3745,30 @@
           <a:p>
             <a:pPr algn="ctr"/>
             <a:r>
-              <a:rPr lang="en-US" sz="4400" b="1" cap="small" dirty="0">
+              <a:rPr lang="en-US" sz="5400" b="1" cap="small" dirty="0">
                 <a:latin typeface="Oxygen" panose="02000503000000000000" pitchFamily="2" charset="0"/>
               </a:rPr>
-              <a:t>Finest Teachers, Study Materials, Mock Tests, Doubt Clearing, PTM, Counselling</a:t>
+              <a:t>Finest Teachers, Study Mats, Mock Tests, Doubt Clearing, PTM, Counselling</a:t>
             </a:r>
           </a:p>
           <a:p>
             <a:pPr algn="ctr"/>
             <a:r>
-              <a:rPr lang="en-US" sz="4400" b="1" cap="small" dirty="0">
+              <a:rPr lang="en-US" sz="5400" b="1" cap="small" dirty="0">
                 <a:latin typeface="Oxygen" panose="02000503000000000000" pitchFamily="2" charset="0"/>
               </a:rPr>
-              <a:t>400+ Courses, 20 Smart Classrooms, AC, CCTV</a:t>
+              <a:t>400+ Courses, 20 Smart Classrooms, CCTV</a:t>
             </a:r>
           </a:p>
           <a:p>
             <a:pPr algn="ctr"/>
             <a:r>
-              <a:rPr lang="en-US" sz="4400" b="1" cap="small" dirty="0">
+              <a:rPr lang="en-US" sz="5400" b="1" cap="small" dirty="0">
                 <a:latin typeface="Oxygen" panose="02000503000000000000" pitchFamily="2" charset="0"/>
               </a:rPr>
               <a:t>Professional Courses are Proj-Based, Certification Oriented &amp; Career Focused</a:t>
             </a:r>
-            <a:endParaRPr lang="en-US" sz="4400" dirty="0"/>
+            <a:endParaRPr lang="en-US" sz="5400" dirty="0"/>
           </a:p>
         </p:txBody>
       </p:sp>
@@ -3934,8 +3786,8 @@
         </p:nvSpPr>
         <p:spPr>
           <a:xfrm>
-            <a:off x="-542" y="32666194"/>
-            <a:ext cx="25589322" cy="13041199"/>
+            <a:off x="-542" y="32425564"/>
+            <a:ext cx="25589322" cy="13110192"/>
           </a:xfrm>
           <a:prstGeom prst="rect">
             <a:avLst/>
@@ -3950,43 +3802,43 @@
           <a:p>
             <a:pPr algn="ctr">
               <a:lnSpc>
-                <a:spcPct val="200000"/>
+                <a:spcPct val="150000"/>
               </a:lnSpc>
             </a:pPr>
             <a:r>
-              <a:rPr lang="en-US" sz="7200" b="1" cap="small" dirty="0">
+              <a:rPr lang="en-US" sz="9600" b="1" cap="small" dirty="0">
                 <a:solidFill>
                   <a:srgbClr val="C00000"/>
                 </a:solidFill>
                 <a:latin typeface="Oxygen" panose="02000503000000000000" pitchFamily="2" charset="0"/>
               </a:rPr>
-              <a:t>ARTIFICIAL INTELLIGENCE, ROBOTICS – CLASS III - XII</a:t>
+              <a:t>ARTIFICIAL INTELLIGENCE – Class III – XII</a:t>
             </a:r>
           </a:p>
           <a:p>
             <a:pPr algn="ctr">
               <a:lnSpc>
-                <a:spcPct val="200000"/>
+                <a:spcPct val="150000"/>
               </a:lnSpc>
             </a:pPr>
             <a:r>
-              <a:rPr lang="en-US" sz="7200" b="1" cap="small" dirty="0">
+              <a:rPr lang="en-US" sz="9600" b="1" cap="small" dirty="0">
                 <a:solidFill>
                   <a:srgbClr val="C00000"/>
                 </a:solidFill>
                 <a:latin typeface="Oxygen" panose="02000503000000000000" pitchFamily="2" charset="0"/>
               </a:rPr>
-              <a:t>PROFESSIONAL AI &amp; IT Training &amp; Projects</a:t>
+              <a:t>IT &amp; AI Professional Training &amp; Projects</a:t>
             </a:r>
           </a:p>
           <a:p>
             <a:pPr algn="ctr">
               <a:lnSpc>
-                <a:spcPct val="200000"/>
+                <a:spcPct val="150000"/>
               </a:lnSpc>
             </a:pPr>
             <a:r>
-              <a:rPr lang="en-US" sz="7200" b="1" cap="small" dirty="0">
+              <a:rPr lang="en-US" sz="9600" b="1" cap="small" dirty="0">
                 <a:solidFill>
                   <a:srgbClr val="C00000"/>
                 </a:solidFill>
@@ -3998,11 +3850,11 @@
           <a:p>
             <a:pPr algn="ctr">
               <a:lnSpc>
-                <a:spcPct val="200000"/>
+                <a:spcPct val="150000"/>
               </a:lnSpc>
             </a:pPr>
             <a:r>
-              <a:rPr lang="en-US" sz="7200" b="1" cap="small" dirty="0">
+              <a:rPr lang="en-US" sz="9600" b="1" cap="small" dirty="0">
                 <a:solidFill>
                   <a:srgbClr val="C00000"/>
                 </a:solidFill>
@@ -4014,27 +3866,27 @@
           <a:p>
             <a:pPr algn="ctr">
               <a:lnSpc>
-                <a:spcPct val="200000"/>
+                <a:spcPct val="150000"/>
               </a:lnSpc>
             </a:pPr>
             <a:r>
-              <a:rPr lang="en-US" sz="7200" b="1" cap="small" dirty="0">
+              <a:rPr lang="en-US" sz="9600" b="1" cap="small" dirty="0">
                 <a:solidFill>
                   <a:srgbClr val="C00000"/>
                 </a:solidFill>
                 <a:latin typeface="Oxygen" panose="02000503000000000000" pitchFamily="2" charset="0"/>
               </a:rPr>
-              <a:t>BCom, BBA, CA, CMA, CS, CFA, CLAT, LLB, LLM</a:t>
+              <a:t>Bcom, Bba, Ca, Cma, Cs, Cfa, Clat, Llb, Llm</a:t>
             </a:r>
           </a:p>
           <a:p>
             <a:pPr algn="ctr">
               <a:lnSpc>
-                <a:spcPct val="200000"/>
+                <a:spcPct val="150000"/>
               </a:lnSpc>
             </a:pPr>
             <a:r>
-              <a:rPr lang="en-US" sz="7200" b="1" cap="small" dirty="0">
+              <a:rPr lang="en-US" sz="9600" b="1" cap="small" dirty="0">
                 <a:solidFill>
                   <a:srgbClr val="C00000"/>
                 </a:solidFill>
@@ -4042,7 +3894,7 @@
               </a:rPr>
               <a:t>Grooming, Ielts, Toefl, Foreign Languages</a:t>
             </a:r>
-            <a:endParaRPr lang="en-US" sz="8800" b="1" cap="small" dirty="0">
+            <a:endParaRPr lang="en-US" sz="13800" b="1" cap="small" dirty="0">
               <a:solidFill>
                 <a:srgbClr val="C00000"/>
               </a:solidFill>
@@ -4065,8 +3917,8 @@
         </p:nvSpPr>
         <p:spPr>
           <a:xfrm>
-            <a:off x="4997101" y="49380874"/>
-            <a:ext cx="1402121" cy="1377063"/>
+            <a:off x="3697699" y="49635972"/>
+            <a:ext cx="1402121" cy="1251875"/>
           </a:xfrm>
           <a:custGeom>
             <a:avLst/>
@@ -4423,7 +4275,7 @@
           <p:nvPr/>
         </p:nvPicPr>
         <p:blipFill>
-          <a:blip r:embed="rId11">
+          <a:blip r:embed="rId10">
             <a:extLst>
               <a:ext uri="{28A0092B-C50C-407E-A947-70E740481C1C}">
                 <a14:useLocalDpi xmlns:a14="http://schemas.microsoft.com/office/drawing/2010/main" val="0"/>
@@ -4437,8 +4289,8 @@
         </p:blipFill>
         <p:spPr bwMode="auto">
           <a:xfrm>
-            <a:off x="6851560" y="49345571"/>
-            <a:ext cx="1305272" cy="1463682"/>
+            <a:off x="6477757" y="49604606"/>
+            <a:ext cx="1186611" cy="1330620"/>
           </a:xfrm>
           <a:prstGeom prst="rect">
             <a:avLst/>
@@ -4455,6 +4307,131 @@
           </a:extLst>
         </p:spPr>
       </p:pic>
+      <p:sp>
+        <p:nvSpPr>
+          <p:cNvPr id="3" name="32-Point Star 20">
+            <a:extLst>
+              <a:ext uri="{FF2B5EF4-FFF2-40B4-BE49-F238E27FC236}">
+                <a16:creationId xmlns:a16="http://schemas.microsoft.com/office/drawing/2014/main" id="{00F7EC8C-5ABC-47C6-BEA4-CCF3B24037EF}"/>
+              </a:ext>
+            </a:extLst>
+          </p:cNvPr>
+          <p:cNvSpPr/>
+          <p:nvPr/>
+        </p:nvSpPr>
+        <p:spPr>
+          <a:xfrm rot="21243013">
+            <a:off x="835754" y="27455850"/>
+            <a:ext cx="10815524" cy="4968808"/>
+          </a:xfrm>
+          <a:prstGeom prst="star32">
+            <a:avLst/>
+          </a:prstGeom>
+          <a:solidFill>
+            <a:srgbClr val="FF0000"/>
+          </a:solidFill>
+          <a:ln w="254000">
+            <a:solidFill>
+              <a:srgbClr val="0066FF"/>
+            </a:solidFill>
+          </a:ln>
+        </p:spPr>
+        <p:style>
+          <a:lnRef idx="2">
+            <a:schemeClr val="accent1">
+              <a:shade val="50000"/>
+            </a:schemeClr>
+          </a:lnRef>
+          <a:fillRef idx="1">
+            <a:schemeClr val="accent1"/>
+          </a:fillRef>
+          <a:effectRef idx="0">
+            <a:schemeClr val="accent1"/>
+          </a:effectRef>
+          <a:fontRef idx="minor">
+            <a:schemeClr val="lt1"/>
+          </a:fontRef>
+        </p:style>
+        <p:txBody>
+          <a:bodyPr rtlCol="0" anchor="ctr"/>
+          <a:lstStyle/>
+          <a:p>
+            <a:pPr algn="ctr"/>
+            <a:r>
+              <a:rPr lang="en-US" sz="4400" b="1" cap="small" dirty="0">
+                <a:solidFill>
+                  <a:schemeClr val="bg1"/>
+                </a:solidFill>
+                <a:latin typeface="Oxygen" panose="02000503000000000000" pitchFamily="2" charset="0"/>
+              </a:rPr>
+              <a:t>Upto</a:t>
+            </a:r>
+            <a:r>
+              <a:rPr lang="en-US" sz="3200" b="1" cap="small" dirty="0">
+                <a:solidFill>
+                  <a:schemeClr val="bg1"/>
+                </a:solidFill>
+                <a:latin typeface="Oxygen" panose="02000503000000000000" pitchFamily="2" charset="0"/>
+              </a:rPr>
+              <a:t> </a:t>
+            </a:r>
+            <a:r>
+              <a:rPr lang="en-US" sz="11600" b="1" cap="small" dirty="0">
+                <a:solidFill>
+                  <a:schemeClr val="bg1"/>
+                </a:solidFill>
+                <a:latin typeface="Oxygen" panose="02000503000000000000" pitchFamily="2" charset="0"/>
+              </a:rPr>
+              <a:t>50%</a:t>
+            </a:r>
+            <a:r>
+              <a:rPr lang="en-US" sz="3200" b="1" cap="small" dirty="0">
+                <a:solidFill>
+                  <a:schemeClr val="bg1"/>
+                </a:solidFill>
+                <a:latin typeface="Oxygen" panose="02000503000000000000" pitchFamily="2" charset="0"/>
+              </a:rPr>
+              <a:t> </a:t>
+            </a:r>
+            <a:r>
+              <a:rPr lang="en-US" sz="4400" b="1" cap="small" dirty="0">
+                <a:solidFill>
+                  <a:schemeClr val="bg1"/>
+                </a:solidFill>
+                <a:latin typeface="Oxygen" panose="02000503000000000000" pitchFamily="2" charset="0"/>
+              </a:rPr>
+              <a:t>Off</a:t>
+            </a:r>
+            <a:r>
+              <a:rPr lang="en-US" sz="6000" b="1" cap="small" dirty="0">
+                <a:solidFill>
+                  <a:schemeClr val="bg1"/>
+                </a:solidFill>
+                <a:latin typeface="Oxygen" panose="02000503000000000000" pitchFamily="2" charset="0"/>
+              </a:rPr>
+              <a:t> </a:t>
+            </a:r>
+          </a:p>
+          <a:p>
+            <a:pPr algn="ctr"/>
+            <a:r>
+              <a:rPr lang="en-US" sz="4400" b="1" cap="small" dirty="0">
+                <a:solidFill>
+                  <a:schemeClr val="bg1"/>
+                </a:solidFill>
+                <a:latin typeface="Oxygen" panose="02000503000000000000" pitchFamily="2" charset="0"/>
+              </a:rPr>
+              <a:t>T&amp;C Apply</a:t>
+            </a:r>
+            <a:endParaRPr lang="en-US" sz="2800" b="1" cap="small" dirty="0">
+              <a:solidFill>
+                <a:schemeClr val="bg1"/>
+              </a:solidFill>
+              <a:latin typeface="Oxygen" panose="02000503000000000000" pitchFamily="2" charset="0"/>
+            </a:endParaRPr>
+          </a:p>
+        </p:txBody>
+      </p:sp>
     </p:spTree>
     <p:extLst>
       <p:ext uri="{BB962C8B-B14F-4D97-AF65-F5344CB8AC3E}">

--- a/Offline/Marketing/MarketingArtworks/pptx/PujoPandalBrandAmbassador.pptx
+++ b/Offline/Marketing/MarketingArtworks/pptx/PujoPandalBrandAmbassador.pptx
@@ -6,6 +6,7 @@
   </p:sldMasterIdLst>
   <p:sldIdLst>
     <p:sldId id="257" r:id="rId2"/>
+    <p:sldId id="256" r:id="rId3"/>
   </p:sldIdLst>
   <p:sldSz cx="25603200" cy="51206400"/>
   <p:notesSz cx="6858000" cy="9144000"/>
@@ -243,7 +244,7 @@
           <a:p>
             <a:fld id="{E3759604-EFD2-4C79-BE13-E71CA39EA512}" type="datetimeFigureOut">
               <a:rPr lang="en-US" smtClean="0"/>
-              <a:t>8/13/2023</a:t>
+              <a:t>8/14/2023</a:t>
             </a:fld>
             <a:endParaRPr lang="en-US"/>
           </a:p>
@@ -413,7 +414,7 @@
           <a:p>
             <a:fld id="{E3759604-EFD2-4C79-BE13-E71CA39EA512}" type="datetimeFigureOut">
               <a:rPr lang="en-US" smtClean="0"/>
-              <a:t>8/13/2023</a:t>
+              <a:t>8/14/2023</a:t>
             </a:fld>
             <a:endParaRPr lang="en-US"/>
           </a:p>
@@ -593,7 +594,7 @@
           <a:p>
             <a:fld id="{E3759604-EFD2-4C79-BE13-E71CA39EA512}" type="datetimeFigureOut">
               <a:rPr lang="en-US" smtClean="0"/>
-              <a:t>8/13/2023</a:t>
+              <a:t>8/14/2023</a:t>
             </a:fld>
             <a:endParaRPr lang="en-US"/>
           </a:p>
@@ -763,7 +764,7 @@
           <a:p>
             <a:fld id="{E3759604-EFD2-4C79-BE13-E71CA39EA512}" type="datetimeFigureOut">
               <a:rPr lang="en-US" smtClean="0"/>
-              <a:t>8/13/2023</a:t>
+              <a:t>8/14/2023</a:t>
             </a:fld>
             <a:endParaRPr lang="en-US"/>
           </a:p>
@@ -1007,7 +1008,7 @@
           <a:p>
             <a:fld id="{E3759604-EFD2-4C79-BE13-E71CA39EA512}" type="datetimeFigureOut">
               <a:rPr lang="en-US" smtClean="0"/>
-              <a:t>8/13/2023</a:t>
+              <a:t>8/14/2023</a:t>
             </a:fld>
             <a:endParaRPr lang="en-US"/>
           </a:p>
@@ -1239,7 +1240,7 @@
           <a:p>
             <a:fld id="{E3759604-EFD2-4C79-BE13-E71CA39EA512}" type="datetimeFigureOut">
               <a:rPr lang="en-US" smtClean="0"/>
-              <a:t>8/13/2023</a:t>
+              <a:t>8/14/2023</a:t>
             </a:fld>
             <a:endParaRPr lang="en-US"/>
           </a:p>
@@ -1606,7 +1607,7 @@
           <a:p>
             <a:fld id="{E3759604-EFD2-4C79-BE13-E71CA39EA512}" type="datetimeFigureOut">
               <a:rPr lang="en-US" smtClean="0"/>
-              <a:t>8/13/2023</a:t>
+              <a:t>8/14/2023</a:t>
             </a:fld>
             <a:endParaRPr lang="en-US"/>
           </a:p>
@@ -1724,7 +1725,7 @@
           <a:p>
             <a:fld id="{E3759604-EFD2-4C79-BE13-E71CA39EA512}" type="datetimeFigureOut">
               <a:rPr lang="en-US" smtClean="0"/>
-              <a:t>8/13/2023</a:t>
+              <a:t>8/14/2023</a:t>
             </a:fld>
             <a:endParaRPr lang="en-US"/>
           </a:p>
@@ -1819,7 +1820,7 @@
           <a:p>
             <a:fld id="{E3759604-EFD2-4C79-BE13-E71CA39EA512}" type="datetimeFigureOut">
               <a:rPr lang="en-US" smtClean="0"/>
-              <a:t>8/13/2023</a:t>
+              <a:t>8/14/2023</a:t>
             </a:fld>
             <a:endParaRPr lang="en-US"/>
           </a:p>
@@ -2096,7 +2097,7 @@
           <a:p>
             <a:fld id="{E3759604-EFD2-4C79-BE13-E71CA39EA512}" type="datetimeFigureOut">
               <a:rPr lang="en-US" smtClean="0"/>
-              <a:t>8/13/2023</a:t>
+              <a:t>8/14/2023</a:t>
             </a:fld>
             <a:endParaRPr lang="en-US"/>
           </a:p>
@@ -2353,7 +2354,7 @@
           <a:p>
             <a:fld id="{E3759604-EFD2-4C79-BE13-E71CA39EA512}" type="datetimeFigureOut">
               <a:rPr lang="en-US" smtClean="0"/>
-              <a:t>8/13/2023</a:t>
+              <a:t>8/14/2023</a:t>
             </a:fld>
             <a:endParaRPr lang="en-US"/>
           </a:p>
@@ -2566,7 +2567,7 @@
           <a:p>
             <a:fld id="{E3759604-EFD2-4C79-BE13-E71CA39EA512}" type="datetimeFigureOut">
               <a:rPr lang="en-US" smtClean="0"/>
-              <a:t>8/13/2023</a:t>
+              <a:t>8/14/2023</a:t>
             </a:fld>
             <a:endParaRPr lang="en-US"/>
           </a:p>
@@ -3717,63 +3718,6 @@
       </p:pic>
       <p:sp>
         <p:nvSpPr>
-          <p:cNvPr id="49" name="TextBox 48">
-            <a:extLst>
-              <a:ext uri="{FF2B5EF4-FFF2-40B4-BE49-F238E27FC236}">
-                <a16:creationId xmlns:a16="http://schemas.microsoft.com/office/drawing/2014/main" id="{A78A26A3-6E03-D16E-D6B2-4CE07FC77059}"/>
-              </a:ext>
-            </a:extLst>
-          </p:cNvPr>
-          <p:cNvSpPr txBox="1"/>
-          <p:nvPr/>
-        </p:nvSpPr>
-        <p:spPr>
-          <a:xfrm>
-            <a:off x="0" y="46087642"/>
-            <a:ext cx="25603742" cy="2585323"/>
-          </a:xfrm>
-          <a:prstGeom prst="rect">
-            <a:avLst/>
-          </a:prstGeom>
-          <a:noFill/>
-        </p:spPr>
-        <p:txBody>
-          <a:bodyPr wrap="square">
-            <a:spAutoFit/>
-          </a:bodyPr>
-          <a:lstStyle/>
-          <a:p>
-            <a:pPr algn="ctr"/>
-            <a:r>
-              <a:rPr lang="en-US" sz="5400" b="1" cap="small" dirty="0">
-                <a:latin typeface="Oxygen" panose="02000503000000000000" pitchFamily="2" charset="0"/>
-              </a:rPr>
-              <a:t>Finest Teachers, Study Mats, Mock Tests, Doubt Clearing, PTM, Counselling</a:t>
-            </a:r>
-          </a:p>
-          <a:p>
-            <a:pPr algn="ctr"/>
-            <a:r>
-              <a:rPr lang="en-US" sz="5400" b="1" cap="small" dirty="0">
-                <a:latin typeface="Oxygen" panose="02000503000000000000" pitchFamily="2" charset="0"/>
-              </a:rPr>
-              <a:t>400+ Courses, 20 Smart Classrooms, CCTV</a:t>
-            </a:r>
-          </a:p>
-          <a:p>
-            <a:pPr algn="ctr"/>
-            <a:r>
-              <a:rPr lang="en-US" sz="5400" b="1" cap="small" dirty="0">
-                <a:latin typeface="Oxygen" panose="02000503000000000000" pitchFamily="2" charset="0"/>
-              </a:rPr>
-              <a:t>Professional Courses are Proj-Based, Certification Oriented &amp; Career Focused</a:t>
-            </a:r>
-            <a:endParaRPr lang="en-US" sz="5400" dirty="0"/>
-          </a:p>
-        </p:txBody>
-      </p:sp>
-      <p:sp>
-        <p:nvSpPr>
           <p:cNvPr id="4" name="TextBox 3">
             <a:extLst>
               <a:ext uri="{FF2B5EF4-FFF2-40B4-BE49-F238E27FC236}">
@@ -4432,10 +4376,1617 @@
           </a:p>
         </p:txBody>
       </p:sp>
+      <p:sp>
+        <p:nvSpPr>
+          <p:cNvPr id="5" name="TextBox 4">
+            <a:extLst>
+              <a:ext uri="{FF2B5EF4-FFF2-40B4-BE49-F238E27FC236}">
+                <a16:creationId xmlns:a16="http://schemas.microsoft.com/office/drawing/2014/main" id="{01C6153F-2D1D-8C5C-7F7C-26AC4F439525}"/>
+              </a:ext>
+            </a:extLst>
+          </p:cNvPr>
+          <p:cNvSpPr txBox="1"/>
+          <p:nvPr/>
+        </p:nvSpPr>
+        <p:spPr>
+          <a:xfrm>
+            <a:off x="2474" y="46087288"/>
+            <a:ext cx="25603742" cy="2492990"/>
+          </a:xfrm>
+          <a:prstGeom prst="rect">
+            <a:avLst/>
+          </a:prstGeom>
+          <a:noFill/>
+        </p:spPr>
+        <p:txBody>
+          <a:bodyPr wrap="square">
+            <a:spAutoFit/>
+          </a:bodyPr>
+          <a:lstStyle/>
+          <a:p>
+            <a:pPr algn="ctr"/>
+            <a:r>
+              <a:rPr lang="en-US" sz="5200" b="1" cap="small" dirty="0">
+                <a:latin typeface="Oxygen" panose="02000503000000000000" pitchFamily="2" charset="0"/>
+              </a:rPr>
+              <a:t>Finest Teachers, Study Mats, Mock Tests, Doubt Clearing, PTM, Counselling</a:t>
+            </a:r>
+          </a:p>
+          <a:p>
+            <a:pPr algn="ctr"/>
+            <a:r>
+              <a:rPr lang="en-US" sz="5200" b="1" cap="small" dirty="0">
+                <a:latin typeface="Oxygen" panose="02000503000000000000" pitchFamily="2" charset="0"/>
+              </a:rPr>
+              <a:t>20 Smart Classrooms, 400+ Courses, AC, CCTV</a:t>
+            </a:r>
+          </a:p>
+          <a:p>
+            <a:pPr algn="ctr"/>
+            <a:r>
+              <a:rPr lang="en-US" sz="5200" b="1" cap="small" dirty="0">
+                <a:latin typeface="Oxygen" panose="02000503000000000000" pitchFamily="2" charset="0"/>
+              </a:rPr>
+              <a:t>Professional Courses are Project-Based, Certification-Oriented &amp; Career-Focused</a:t>
+            </a:r>
+            <a:endParaRPr lang="en-US" sz="5200" dirty="0"/>
+          </a:p>
+        </p:txBody>
+      </p:sp>
     </p:spTree>
     <p:extLst>
       <p:ext uri="{BB962C8B-B14F-4D97-AF65-F5344CB8AC3E}">
         <p14:creationId xmlns:p14="http://schemas.microsoft.com/office/powerpoint/2010/main" val="1327452880"/>
+      </p:ext>
+    </p:extLst>
+  </p:cSld>
+  <p:clrMapOvr>
+    <a:masterClrMapping/>
+  </p:clrMapOvr>
+</p:sld>
+</file>
+
+<file path=ppt/slides/slide2.xml><?xml version="1.0" encoding="utf-8"?>
+<p:sld xmlns:a="http://schemas.openxmlformats.org/drawingml/2006/main" xmlns:r="http://schemas.openxmlformats.org/officeDocument/2006/relationships" xmlns:p="http://schemas.openxmlformats.org/presentationml/2006/main">
+  <p:cSld>
+    <p:spTree>
+      <p:nvGrpSpPr>
+        <p:cNvPr id="1" name=""/>
+        <p:cNvGrpSpPr/>
+        <p:nvPr/>
+      </p:nvGrpSpPr>
+      <p:grpSpPr>
+        <a:xfrm>
+          <a:off x="0" y="0"/>
+          <a:ext cx="0" cy="0"/>
+          <a:chOff x="0" y="0"/>
+          <a:chExt cx="0" cy="0"/>
+        </a:xfrm>
+      </p:grpSpPr>
+      <p:pic>
+        <p:nvPicPr>
+          <p:cNvPr id="3" name="Picture 2">
+            <a:extLst>
+              <a:ext uri="{FF2B5EF4-FFF2-40B4-BE49-F238E27FC236}">
+                <a16:creationId xmlns:a16="http://schemas.microsoft.com/office/drawing/2014/main" id="{A0852169-4E8E-EAEE-95DF-FFD9B43012D9}"/>
+              </a:ext>
+            </a:extLst>
+          </p:cNvPr>
+          <p:cNvPicPr>
+            <a:picLocks noChangeAspect="1"/>
+          </p:cNvPicPr>
+          <p:nvPr/>
+        </p:nvPicPr>
+        <p:blipFill>
+          <a:blip r:embed="rId2"/>
+          <a:stretch>
+            <a:fillRect/>
+          </a:stretch>
+        </p:blipFill>
+        <p:spPr>
+          <a:xfrm>
+            <a:off x="6939" y="7452"/>
+            <a:ext cx="25603742" cy="25238696"/>
+          </a:xfrm>
+          <a:prstGeom prst="rect">
+            <a:avLst/>
+          </a:prstGeom>
+        </p:spPr>
+      </p:pic>
+      <p:pic>
+        <p:nvPicPr>
+          <p:cNvPr id="7" name="Picture 6">
+            <a:extLst>
+              <a:ext uri="{FF2B5EF4-FFF2-40B4-BE49-F238E27FC236}">
+                <a16:creationId xmlns:a16="http://schemas.microsoft.com/office/drawing/2014/main" id="{726F4114-8941-0FA2-23E7-41493C9A4BE2}"/>
+              </a:ext>
+            </a:extLst>
+          </p:cNvPr>
+          <p:cNvPicPr>
+            <a:picLocks noChangeAspect="1"/>
+          </p:cNvPicPr>
+          <p:nvPr/>
+        </p:nvPicPr>
+        <p:blipFill>
+          <a:blip r:embed="rId3">
+            <a:extLst>
+              <a:ext uri="{28A0092B-C50C-407E-A947-70E740481C1C}">
+                <a14:useLocalDpi xmlns:a14="http://schemas.microsoft.com/office/drawing/2010/main" val="0"/>
+              </a:ext>
+            </a:extLst>
+          </a:blip>
+          <a:stretch>
+            <a:fillRect/>
+          </a:stretch>
+        </p:blipFill>
+        <p:spPr>
+          <a:xfrm>
+            <a:off x="12599071" y="12383866"/>
+            <a:ext cx="13006052" cy="19304211"/>
+          </a:xfrm>
+          <a:prstGeom prst="rect">
+            <a:avLst/>
+          </a:prstGeom>
+        </p:spPr>
+      </p:pic>
+      <p:sp>
+        <p:nvSpPr>
+          <p:cNvPr id="10" name="TextBox 9">
+            <a:extLst>
+              <a:ext uri="{FF2B5EF4-FFF2-40B4-BE49-F238E27FC236}">
+                <a16:creationId xmlns:a16="http://schemas.microsoft.com/office/drawing/2014/main" id="{FEF25012-2796-0A43-F190-B28C98BBB81F}"/>
+              </a:ext>
+            </a:extLst>
+          </p:cNvPr>
+          <p:cNvSpPr txBox="1"/>
+          <p:nvPr/>
+        </p:nvSpPr>
+        <p:spPr>
+          <a:xfrm>
+            <a:off x="3278956" y="10676299"/>
+            <a:ext cx="9555039" cy="1446550"/>
+          </a:xfrm>
+          <a:prstGeom prst="rect">
+            <a:avLst/>
+          </a:prstGeom>
+          <a:noFill/>
+        </p:spPr>
+        <p:txBody>
+          <a:bodyPr wrap="square" rtlCol="0">
+            <a:spAutoFit/>
+          </a:bodyPr>
+          <a:lstStyle/>
+          <a:p>
+            <a:pPr algn="ctr"/>
+            <a:r>
+              <a:rPr lang="en-US" sz="8800" b="1" cap="small" dirty="0">
+                <a:ln w="6600">
+                  <a:solidFill>
+                    <a:srgbClr val="C00000"/>
+                  </a:solidFill>
+                  <a:prstDash val="solid"/>
+                </a:ln>
+                <a:solidFill>
+                  <a:srgbClr val="C00000"/>
+                </a:solidFill>
+                <a:effectLst>
+                  <a:glow>
+                    <a:srgbClr val="C00000">
+                      <a:alpha val="40000"/>
+                    </a:srgbClr>
+                  </a:glow>
+                  <a:outerShdw dist="38100" dir="5400000" sy="-20000" rotWithShape="0">
+                    <a:prstClr val="black">
+                      <a:alpha val="0"/>
+                    </a:prstClr>
+                  </a:outerShdw>
+                </a:effectLst>
+                <a:latin typeface="Oxygen" panose="02000503000000000000" pitchFamily="2" charset="0"/>
+              </a:rPr>
+              <a:t>Coaching Classes</a:t>
+            </a:r>
+            <a:endParaRPr lang="en-AU" sz="8800" b="1" cap="small" dirty="0">
+              <a:ln w="6600">
+                <a:solidFill>
+                  <a:srgbClr val="C00000"/>
+                </a:solidFill>
+                <a:prstDash val="solid"/>
+              </a:ln>
+              <a:solidFill>
+                <a:srgbClr val="C00000"/>
+              </a:solidFill>
+              <a:effectLst>
+                <a:glow>
+                  <a:srgbClr val="C00000">
+                    <a:alpha val="40000"/>
+                  </a:srgbClr>
+                </a:glow>
+                <a:outerShdw dist="38100" dir="5400000" sy="-20000" rotWithShape="0">
+                  <a:prstClr val="black">
+                    <a:alpha val="0"/>
+                  </a:prstClr>
+                </a:outerShdw>
+              </a:effectLst>
+              <a:latin typeface="Oxygen" panose="02000503000000000000" pitchFamily="2" charset="0"/>
+            </a:endParaRPr>
+          </a:p>
+        </p:txBody>
+      </p:sp>
+      <p:sp>
+        <p:nvSpPr>
+          <p:cNvPr id="11" name="TextBox 10">
+            <a:extLst>
+              <a:ext uri="{FF2B5EF4-FFF2-40B4-BE49-F238E27FC236}">
+                <a16:creationId xmlns:a16="http://schemas.microsoft.com/office/drawing/2014/main" id="{B5164CE8-6055-5FA3-AB9E-6FE90A7678D9}"/>
+              </a:ext>
+            </a:extLst>
+          </p:cNvPr>
+          <p:cNvSpPr txBox="1"/>
+          <p:nvPr/>
+        </p:nvSpPr>
+        <p:spPr>
+          <a:xfrm>
+            <a:off x="3298480" y="12168283"/>
+            <a:ext cx="19106561" cy="1015663"/>
+          </a:xfrm>
+          <a:prstGeom prst="rect">
+            <a:avLst/>
+          </a:prstGeom>
+          <a:noFill/>
+        </p:spPr>
+        <p:txBody>
+          <a:bodyPr wrap="square">
+            <a:spAutoFit/>
+          </a:bodyPr>
+          <a:lstStyle/>
+          <a:p>
+            <a:pPr algn="ctr"/>
+            <a:r>
+              <a:rPr lang="en-US" sz="6000" b="1" cap="small" dirty="0">
+                <a:ln w="6600">
+                  <a:solidFill>
+                    <a:srgbClr val="C00000"/>
+                  </a:solidFill>
+                  <a:prstDash val="solid"/>
+                </a:ln>
+                <a:solidFill>
+                  <a:srgbClr val="C00000"/>
+                </a:solidFill>
+                <a:effectLst>
+                  <a:glow>
+                    <a:srgbClr val="C00000">
+                      <a:alpha val="40000"/>
+                    </a:srgbClr>
+                  </a:glow>
+                  <a:outerShdw dist="38100" dir="5400000" sy="-20000" rotWithShape="0">
+                    <a:prstClr val="black">
+                      <a:alpha val="0"/>
+                    </a:prstClr>
+                  </a:outerShdw>
+                </a:effectLst>
+                <a:latin typeface="Oxygen" panose="02000503000000000000" pitchFamily="2" charset="0"/>
+              </a:rPr>
+              <a:t>N-1/25 Patuli, Kol 94, Near Fire Brigade &amp; Krisi Vikas</a:t>
+            </a:r>
+          </a:p>
+        </p:txBody>
+      </p:sp>
+      <p:pic>
+        <p:nvPicPr>
+          <p:cNvPr id="12" name="Picture 14" descr="Whatsapp Icon PNGs for Free Download">
+            <a:extLst>
+              <a:ext uri="{FF2B5EF4-FFF2-40B4-BE49-F238E27FC236}">
+                <a16:creationId xmlns:a16="http://schemas.microsoft.com/office/drawing/2014/main" id="{BBC43143-1BFD-5123-9303-A159B0546338}"/>
+              </a:ext>
+            </a:extLst>
+          </p:cNvPr>
+          <p:cNvPicPr>
+            <a:picLocks noChangeAspect="1" noChangeArrowheads="1"/>
+          </p:cNvPicPr>
+          <p:nvPr/>
+        </p:nvPicPr>
+        <p:blipFill>
+          <a:blip r:embed="rId4" cstate="print">
+            <a:extLst>
+              <a:ext uri="{28A0092B-C50C-407E-A947-70E740481C1C}">
+                <a14:useLocalDpi xmlns:a14="http://schemas.microsoft.com/office/drawing/2010/main" val="0"/>
+              </a:ext>
+            </a:extLst>
+          </a:blip>
+          <a:srcRect/>
+          <a:stretch>
+            <a:fillRect/>
+          </a:stretch>
+        </p:blipFill>
+        <p:spPr bwMode="auto">
+          <a:xfrm>
+            <a:off x="21534635" y="11040522"/>
+            <a:ext cx="1046991" cy="1046991"/>
+          </a:xfrm>
+          <a:prstGeom prst="rect">
+            <a:avLst/>
+          </a:prstGeom>
+          <a:noFill/>
+          <a:extLst>
+            <a:ext uri="{909E8E84-426E-40DD-AFC4-6F175D3DCCD1}">
+              <a14:hiddenFill xmlns:a14="http://schemas.microsoft.com/office/drawing/2010/main">
+                <a:solidFill>
+                  <a:srgbClr val="FFFFFF"/>
+                </a:solidFill>
+              </a14:hiddenFill>
+            </a:ext>
+          </a:extLst>
+        </p:spPr>
+      </p:pic>
+      <p:sp>
+        <p:nvSpPr>
+          <p:cNvPr id="14" name="Rectangle 13">
+            <a:extLst>
+              <a:ext uri="{FF2B5EF4-FFF2-40B4-BE49-F238E27FC236}">
+                <a16:creationId xmlns:a16="http://schemas.microsoft.com/office/drawing/2014/main" id="{B2FDB65B-CDD0-39C6-7BDA-3FF61CCD4AFF}"/>
+              </a:ext>
+            </a:extLst>
+          </p:cNvPr>
+          <p:cNvSpPr/>
+          <p:nvPr/>
+        </p:nvSpPr>
+        <p:spPr>
+          <a:xfrm>
+            <a:off x="13457671" y="10457169"/>
+            <a:ext cx="8984380" cy="1707262"/>
+          </a:xfrm>
+          <a:prstGeom prst="rect">
+            <a:avLst/>
+          </a:prstGeom>
+        </p:spPr>
+        <p:txBody>
+          <a:bodyPr wrap="square">
+            <a:spAutoFit/>
+          </a:bodyPr>
+          <a:lstStyle/>
+          <a:p>
+            <a:pPr algn="ctr">
+              <a:lnSpc>
+                <a:spcPct val="150000"/>
+              </a:lnSpc>
+            </a:pPr>
+            <a:r>
+              <a:rPr lang="en-US" sz="8000" b="1" cap="small" dirty="0">
+                <a:ln w="6600">
+                  <a:solidFill>
+                    <a:srgbClr val="C00000"/>
+                  </a:solidFill>
+                  <a:prstDash val="solid"/>
+                </a:ln>
+                <a:solidFill>
+                  <a:srgbClr val="C00000"/>
+                </a:solidFill>
+                <a:effectLst>
+                  <a:glow>
+                    <a:srgbClr val="C00000">
+                      <a:alpha val="40000"/>
+                    </a:srgbClr>
+                  </a:glow>
+                  <a:outerShdw dist="38100" dir="5400000" sy="-20000" rotWithShape="0">
+                    <a:prstClr val="black">
+                      <a:alpha val="0"/>
+                    </a:prstClr>
+                  </a:outerShdw>
+                </a:effectLst>
+                <a:latin typeface="Oxygen" panose="02000503000000000000" pitchFamily="2" charset="0"/>
+              </a:rPr>
+              <a:t>9073 700094</a:t>
+            </a:r>
+            <a:endParaRPr lang="en-AU" sz="8000" b="1" cap="small" dirty="0">
+              <a:ln w="6600">
+                <a:solidFill>
+                  <a:srgbClr val="C00000"/>
+                </a:solidFill>
+                <a:prstDash val="solid"/>
+              </a:ln>
+              <a:solidFill>
+                <a:srgbClr val="C00000"/>
+              </a:solidFill>
+              <a:effectLst>
+                <a:glow>
+                  <a:srgbClr val="C00000">
+                    <a:alpha val="40000"/>
+                  </a:srgbClr>
+                </a:glow>
+                <a:outerShdw dist="38100" dir="5400000" sy="-20000" rotWithShape="0">
+                  <a:prstClr val="black">
+                    <a:alpha val="0"/>
+                  </a:prstClr>
+                </a:outerShdw>
+              </a:effectLst>
+              <a:latin typeface="Oxygen" panose="02000503000000000000" pitchFamily="2" charset="0"/>
+            </a:endParaRPr>
+          </a:p>
+        </p:txBody>
+      </p:sp>
+      <p:pic>
+        <p:nvPicPr>
+          <p:cNvPr id="15" name="Picture 18" descr="Page 2 | Phone Icon Png Images - Free Download on Freepik">
+            <a:extLst>
+              <a:ext uri="{FF2B5EF4-FFF2-40B4-BE49-F238E27FC236}">
+                <a16:creationId xmlns:a16="http://schemas.microsoft.com/office/drawing/2014/main" id="{13BD54E0-B5DB-A73C-1A84-3DAC7E98000C}"/>
+              </a:ext>
+            </a:extLst>
+          </p:cNvPr>
+          <p:cNvPicPr>
+            <a:picLocks noChangeAspect="1" noChangeArrowheads="1"/>
+          </p:cNvPicPr>
+          <p:nvPr/>
+        </p:nvPicPr>
+        <p:blipFill>
+          <a:blip r:embed="rId5" cstate="print">
+            <a:extLst>
+              <a:ext uri="{28A0092B-C50C-407E-A947-70E740481C1C}">
+                <a14:useLocalDpi xmlns:a14="http://schemas.microsoft.com/office/drawing/2010/main" val="0"/>
+              </a:ext>
+            </a:extLst>
+          </a:blip>
+          <a:srcRect/>
+          <a:stretch>
+            <a:fillRect/>
+          </a:stretch>
+        </p:blipFill>
+        <p:spPr bwMode="auto">
+          <a:xfrm>
+            <a:off x="13556459" y="11014376"/>
+            <a:ext cx="964851" cy="964851"/>
+          </a:xfrm>
+          <a:prstGeom prst="rect">
+            <a:avLst/>
+          </a:prstGeom>
+          <a:noFill/>
+          <a:extLst>
+            <a:ext uri="{909E8E84-426E-40DD-AFC4-6F175D3DCCD1}">
+              <a14:hiddenFill xmlns:a14="http://schemas.microsoft.com/office/drawing/2010/main">
+                <a:solidFill>
+                  <a:srgbClr val="FFFFFF"/>
+                </a:solidFill>
+              </a14:hiddenFill>
+            </a:ext>
+          </a:extLst>
+        </p:spPr>
+      </p:pic>
+      <p:pic>
+        <p:nvPicPr>
+          <p:cNvPr id="16" name="Picture 15">
+            <a:extLst>
+              <a:ext uri="{FF2B5EF4-FFF2-40B4-BE49-F238E27FC236}">
+                <a16:creationId xmlns:a16="http://schemas.microsoft.com/office/drawing/2014/main" id="{4A6D219C-8E9F-92E9-01F9-875297BF7169}"/>
+              </a:ext>
+            </a:extLst>
+          </p:cNvPr>
+          <p:cNvPicPr>
+            <a:picLocks noChangeAspect="1"/>
+          </p:cNvPicPr>
+          <p:nvPr/>
+        </p:nvPicPr>
+        <p:blipFill>
+          <a:blip r:embed="rId6">
+            <a:extLst>
+              <a:ext uri="{28A0092B-C50C-407E-A947-70E740481C1C}">
+                <a14:useLocalDpi xmlns:a14="http://schemas.microsoft.com/office/drawing/2010/main" val="0"/>
+              </a:ext>
+            </a:extLst>
+          </a:blip>
+          <a:stretch>
+            <a:fillRect/>
+          </a:stretch>
+        </p:blipFill>
+        <p:spPr>
+          <a:xfrm>
+            <a:off x="3475065" y="655247"/>
+            <a:ext cx="19106561" cy="9280333"/>
+          </a:xfrm>
+          <a:prstGeom prst="rect">
+            <a:avLst/>
+          </a:prstGeom>
+        </p:spPr>
+      </p:pic>
+      <p:sp>
+        <p:nvSpPr>
+          <p:cNvPr id="51" name="TextBox 50">
+            <a:extLst>
+              <a:ext uri="{FF2B5EF4-FFF2-40B4-BE49-F238E27FC236}">
+                <a16:creationId xmlns:a16="http://schemas.microsoft.com/office/drawing/2014/main" id="{F336A432-4B2A-6F80-B6AC-2A59CF2F669B}"/>
+              </a:ext>
+            </a:extLst>
+          </p:cNvPr>
+          <p:cNvSpPr txBox="1"/>
+          <p:nvPr/>
+        </p:nvSpPr>
+        <p:spPr>
+          <a:xfrm>
+            <a:off x="2474" y="46087288"/>
+            <a:ext cx="25603742" cy="2492990"/>
+          </a:xfrm>
+          <a:prstGeom prst="rect">
+            <a:avLst/>
+          </a:prstGeom>
+          <a:noFill/>
+        </p:spPr>
+        <p:txBody>
+          <a:bodyPr wrap="square">
+            <a:spAutoFit/>
+          </a:bodyPr>
+          <a:lstStyle/>
+          <a:p>
+            <a:pPr algn="ctr"/>
+            <a:r>
+              <a:rPr lang="en-US" sz="5200" b="1" cap="small" dirty="0">
+                <a:latin typeface="Oxygen" panose="02000503000000000000" pitchFamily="2" charset="0"/>
+              </a:rPr>
+              <a:t>Finest Teachers, Study Mats, Mock Tests, Doubt Clearing, PTM, Counselling</a:t>
+            </a:r>
+          </a:p>
+          <a:p>
+            <a:pPr algn="ctr"/>
+            <a:r>
+              <a:rPr lang="en-US" sz="5200" b="1" cap="small" dirty="0">
+                <a:latin typeface="Oxygen" panose="02000503000000000000" pitchFamily="2" charset="0"/>
+              </a:rPr>
+              <a:t>20 Smart Classrooms, 400+ Courses, AC, CCTV</a:t>
+            </a:r>
+          </a:p>
+          <a:p>
+            <a:pPr algn="ctr"/>
+            <a:r>
+              <a:rPr lang="en-US" sz="5200" b="1" cap="small" dirty="0">
+                <a:latin typeface="Oxygen" panose="02000503000000000000" pitchFamily="2" charset="0"/>
+              </a:rPr>
+              <a:t>Professional Courses are Project-Based, Certification-Oriented &amp; Career-Focused</a:t>
+            </a:r>
+            <a:endParaRPr lang="en-US" sz="5200" dirty="0"/>
+          </a:p>
+        </p:txBody>
+      </p:sp>
+      <p:pic>
+        <p:nvPicPr>
+          <p:cNvPr id="2" name="Picture 1">
+            <a:extLst>
+              <a:ext uri="{FF2B5EF4-FFF2-40B4-BE49-F238E27FC236}">
+                <a16:creationId xmlns:a16="http://schemas.microsoft.com/office/drawing/2014/main" id="{29BE11B1-E516-A327-5554-9E07DB7E0A6E}"/>
+              </a:ext>
+            </a:extLst>
+          </p:cNvPr>
+          <p:cNvPicPr>
+            <a:picLocks noChangeAspect="1"/>
+          </p:cNvPicPr>
+          <p:nvPr/>
+        </p:nvPicPr>
+        <p:blipFill>
+          <a:blip r:embed="rId7">
+            <a:extLst>
+              <a:ext uri="{28A0092B-C50C-407E-A947-70E740481C1C}">
+                <a14:useLocalDpi xmlns:a14="http://schemas.microsoft.com/office/drawing/2010/main" val="0"/>
+              </a:ext>
+            </a:extLst>
+          </a:blip>
+          <a:stretch>
+            <a:fillRect/>
+          </a:stretch>
+        </p:blipFill>
+        <p:spPr>
+          <a:xfrm rot="21440353">
+            <a:off x="14514854" y="20666475"/>
+            <a:ext cx="1197356" cy="1131942"/>
+          </a:xfrm>
+          <a:prstGeom prst="rect">
+            <a:avLst/>
+          </a:prstGeom>
+        </p:spPr>
+      </p:pic>
+      <p:sp>
+        <p:nvSpPr>
+          <p:cNvPr id="4" name="32-Point Star 20">
+            <a:extLst>
+              <a:ext uri="{FF2B5EF4-FFF2-40B4-BE49-F238E27FC236}">
+                <a16:creationId xmlns:a16="http://schemas.microsoft.com/office/drawing/2014/main" id="{874E5768-74C7-409F-056A-421B078E946A}"/>
+              </a:ext>
+            </a:extLst>
+          </p:cNvPr>
+          <p:cNvSpPr/>
+          <p:nvPr/>
+        </p:nvSpPr>
+        <p:spPr>
+          <a:xfrm rot="21243013">
+            <a:off x="7756438" y="13637726"/>
+            <a:ext cx="10815524" cy="6012258"/>
+          </a:xfrm>
+          <a:prstGeom prst="star32">
+            <a:avLst/>
+          </a:prstGeom>
+          <a:solidFill>
+            <a:srgbClr val="FF0000"/>
+          </a:solidFill>
+          <a:ln w="254000">
+            <a:solidFill>
+              <a:srgbClr val="0066FF"/>
+            </a:solidFill>
+          </a:ln>
+        </p:spPr>
+        <p:style>
+          <a:lnRef idx="2">
+            <a:schemeClr val="accent1">
+              <a:shade val="50000"/>
+            </a:schemeClr>
+          </a:lnRef>
+          <a:fillRef idx="1">
+            <a:schemeClr val="accent1"/>
+          </a:fillRef>
+          <a:effectRef idx="0">
+            <a:schemeClr val="accent1"/>
+          </a:effectRef>
+          <a:fontRef idx="minor">
+            <a:schemeClr val="lt1"/>
+          </a:fontRef>
+        </p:style>
+        <p:txBody>
+          <a:bodyPr rtlCol="0" anchor="ctr"/>
+          <a:lstStyle/>
+          <a:p>
+            <a:pPr algn="ctr"/>
+            <a:r>
+              <a:rPr lang="en-US" sz="4400" b="1" cap="small" dirty="0">
+                <a:solidFill>
+                  <a:schemeClr val="bg1"/>
+                </a:solidFill>
+                <a:latin typeface="Oxygen" panose="02000503000000000000" pitchFamily="2" charset="0"/>
+              </a:rPr>
+              <a:t>Upto</a:t>
+            </a:r>
+            <a:r>
+              <a:rPr lang="en-US" sz="3200" b="1" cap="small" dirty="0">
+                <a:solidFill>
+                  <a:schemeClr val="bg1"/>
+                </a:solidFill>
+                <a:latin typeface="Oxygen" panose="02000503000000000000" pitchFamily="2" charset="0"/>
+              </a:rPr>
+              <a:t> </a:t>
+            </a:r>
+            <a:r>
+              <a:rPr lang="en-US" sz="11600" b="1" cap="small" dirty="0">
+                <a:solidFill>
+                  <a:schemeClr val="bg1"/>
+                </a:solidFill>
+                <a:latin typeface="Oxygen" panose="02000503000000000000" pitchFamily="2" charset="0"/>
+              </a:rPr>
+              <a:t>50%</a:t>
+            </a:r>
+            <a:r>
+              <a:rPr lang="en-US" sz="3200" b="1" cap="small" dirty="0">
+                <a:solidFill>
+                  <a:schemeClr val="bg1"/>
+                </a:solidFill>
+                <a:latin typeface="Oxygen" panose="02000503000000000000" pitchFamily="2" charset="0"/>
+              </a:rPr>
+              <a:t> </a:t>
+            </a:r>
+            <a:r>
+              <a:rPr lang="en-US" sz="4400" b="1" cap="small" dirty="0">
+                <a:solidFill>
+                  <a:schemeClr val="bg1"/>
+                </a:solidFill>
+                <a:latin typeface="Oxygen" panose="02000503000000000000" pitchFamily="2" charset="0"/>
+              </a:rPr>
+              <a:t>Off</a:t>
+            </a:r>
+            <a:r>
+              <a:rPr lang="en-US" sz="6000" b="1" cap="small" dirty="0">
+                <a:solidFill>
+                  <a:schemeClr val="bg1"/>
+                </a:solidFill>
+                <a:latin typeface="Oxygen" panose="02000503000000000000" pitchFamily="2" charset="0"/>
+              </a:rPr>
+              <a:t> </a:t>
+            </a:r>
+          </a:p>
+          <a:p>
+            <a:pPr algn="ctr"/>
+            <a:r>
+              <a:rPr lang="en-US" sz="4400" b="1" cap="small" dirty="0">
+                <a:solidFill>
+                  <a:schemeClr val="bg1"/>
+                </a:solidFill>
+                <a:latin typeface="Oxygen" panose="02000503000000000000" pitchFamily="2" charset="0"/>
+              </a:rPr>
+              <a:t>T&amp;C Apply</a:t>
+            </a:r>
+            <a:endParaRPr lang="en-US" sz="2800" b="1" cap="small" dirty="0">
+              <a:solidFill>
+                <a:schemeClr val="bg1"/>
+              </a:solidFill>
+              <a:latin typeface="Oxygen" panose="02000503000000000000" pitchFamily="2" charset="0"/>
+            </a:endParaRPr>
+          </a:p>
+        </p:txBody>
+      </p:sp>
+      <p:pic>
+        <p:nvPicPr>
+          <p:cNvPr id="5" name="Picture 4">
+            <a:extLst>
+              <a:ext uri="{FF2B5EF4-FFF2-40B4-BE49-F238E27FC236}">
+                <a16:creationId xmlns:a16="http://schemas.microsoft.com/office/drawing/2014/main" id="{928333F9-D19A-E299-B474-875EF4842887}"/>
+              </a:ext>
+            </a:extLst>
+          </p:cNvPr>
+          <p:cNvPicPr>
+            <a:picLocks noChangeAspect="1"/>
+          </p:cNvPicPr>
+          <p:nvPr/>
+        </p:nvPicPr>
+        <p:blipFill>
+          <a:blip r:embed="rId8">
+            <a:extLst>
+              <a:ext uri="{BEBA8EAE-BF5A-486C-A8C5-ECC9F3942E4B}">
+                <a14:imgProps xmlns:a14="http://schemas.microsoft.com/office/drawing/2010/main">
+                  <a14:imgLayer r:embed="rId9">
+                    <a14:imgEffect>
+                      <a14:brightnessContrast bright="30000" contrast="30000"/>
+                    </a14:imgEffect>
+                  </a14:imgLayer>
+                </a14:imgProps>
+              </a:ext>
+              <a:ext uri="{28A0092B-C50C-407E-A947-70E740481C1C}">
+                <a14:useLocalDpi xmlns:a14="http://schemas.microsoft.com/office/drawing/2010/main" val="0"/>
+              </a:ext>
+            </a:extLst>
+          </a:blip>
+          <a:stretch>
+            <a:fillRect/>
+          </a:stretch>
+        </p:blipFill>
+        <p:spPr>
+          <a:xfrm>
+            <a:off x="832265" y="13083134"/>
+            <a:ext cx="8775366" cy="13611678"/>
+          </a:xfrm>
+          <a:prstGeom prst="rect">
+            <a:avLst/>
+          </a:prstGeom>
+        </p:spPr>
+      </p:pic>
+      <p:sp>
+        <p:nvSpPr>
+          <p:cNvPr id="25" name="Rectangle 24">
+            <a:extLst>
+              <a:ext uri="{FF2B5EF4-FFF2-40B4-BE49-F238E27FC236}">
+                <a16:creationId xmlns:a16="http://schemas.microsoft.com/office/drawing/2014/main" id="{14B15FD4-C580-D8F1-3655-0D373BF7E6E0}"/>
+              </a:ext>
+            </a:extLst>
+          </p:cNvPr>
+          <p:cNvSpPr/>
+          <p:nvPr/>
+        </p:nvSpPr>
+        <p:spPr>
+          <a:xfrm>
+            <a:off x="-7481" y="25294941"/>
+            <a:ext cx="14345754" cy="15305157"/>
+          </a:xfrm>
+          <a:prstGeom prst="rect">
+            <a:avLst/>
+          </a:prstGeom>
+          <a:solidFill>
+            <a:schemeClr val="bg1"/>
+          </a:solidFill>
+          <a:ln>
+            <a:noFill/>
+          </a:ln>
+        </p:spPr>
+        <p:style>
+          <a:lnRef idx="2">
+            <a:schemeClr val="accent1">
+              <a:shade val="15000"/>
+            </a:schemeClr>
+          </a:lnRef>
+          <a:fillRef idx="1">
+            <a:schemeClr val="accent1"/>
+          </a:fillRef>
+          <a:effectRef idx="0">
+            <a:schemeClr val="accent1"/>
+          </a:effectRef>
+          <a:fontRef idx="minor">
+            <a:schemeClr val="lt1"/>
+          </a:fontRef>
+        </p:style>
+        <p:txBody>
+          <a:bodyPr rtlCol="0" anchor="ctr"/>
+          <a:lstStyle/>
+          <a:p>
+            <a:pPr algn="ctr"/>
+            <a:endParaRPr lang="en-US"/>
+          </a:p>
+        </p:txBody>
+      </p:sp>
+      <p:pic>
+        <p:nvPicPr>
+          <p:cNvPr id="35" name="Picture 34">
+            <a:extLst>
+              <a:ext uri="{FF2B5EF4-FFF2-40B4-BE49-F238E27FC236}">
+                <a16:creationId xmlns:a16="http://schemas.microsoft.com/office/drawing/2014/main" id="{3622D1FF-24D8-EB49-5CD4-7138D389015D}"/>
+              </a:ext>
+            </a:extLst>
+          </p:cNvPr>
+          <p:cNvPicPr>
+            <a:picLocks noChangeAspect="1"/>
+          </p:cNvPicPr>
+          <p:nvPr/>
+        </p:nvPicPr>
+        <p:blipFill>
+          <a:blip r:embed="rId10"/>
+          <a:stretch>
+            <a:fillRect/>
+          </a:stretch>
+        </p:blipFill>
+        <p:spPr>
+          <a:xfrm>
+            <a:off x="22884" y="26300070"/>
+            <a:ext cx="15897573" cy="2468365"/>
+          </a:xfrm>
+          <a:prstGeom prst="rect">
+            <a:avLst/>
+          </a:prstGeom>
+        </p:spPr>
+      </p:pic>
+      <p:pic>
+        <p:nvPicPr>
+          <p:cNvPr id="52" name="Picture 51">
+            <a:extLst>
+              <a:ext uri="{FF2B5EF4-FFF2-40B4-BE49-F238E27FC236}">
+                <a16:creationId xmlns:a16="http://schemas.microsoft.com/office/drawing/2014/main" id="{89A95B42-3762-71DB-620B-5C4FF7451A96}"/>
+              </a:ext>
+            </a:extLst>
+          </p:cNvPr>
+          <p:cNvPicPr>
+            <a:picLocks noChangeAspect="1"/>
+          </p:cNvPicPr>
+          <p:nvPr/>
+        </p:nvPicPr>
+        <p:blipFill>
+          <a:blip r:embed="rId11"/>
+          <a:stretch>
+            <a:fillRect/>
+          </a:stretch>
+        </p:blipFill>
+        <p:spPr>
+          <a:xfrm>
+            <a:off x="-30510" y="22970077"/>
+            <a:ext cx="12392025" cy="2981326"/>
+          </a:xfrm>
+          <a:prstGeom prst="rect">
+            <a:avLst/>
+          </a:prstGeom>
+        </p:spPr>
+      </p:pic>
+      <p:sp>
+        <p:nvSpPr>
+          <p:cNvPr id="54" name="TextBox 53">
+            <a:extLst>
+              <a:ext uri="{FF2B5EF4-FFF2-40B4-BE49-F238E27FC236}">
+                <a16:creationId xmlns:a16="http://schemas.microsoft.com/office/drawing/2014/main" id="{D4D664E6-7C94-BD9E-D822-85E6F01C0F61}"/>
+              </a:ext>
+            </a:extLst>
+          </p:cNvPr>
+          <p:cNvSpPr txBox="1"/>
+          <p:nvPr/>
+        </p:nvSpPr>
+        <p:spPr>
+          <a:xfrm>
+            <a:off x="-61501" y="29705322"/>
+            <a:ext cx="25681044" cy="15326183"/>
+          </a:xfrm>
+          <a:prstGeom prst="rect">
+            <a:avLst/>
+          </a:prstGeom>
+          <a:noFill/>
+        </p:spPr>
+        <p:txBody>
+          <a:bodyPr wrap="square">
+            <a:spAutoFit/>
+          </a:bodyPr>
+          <a:lstStyle/>
+          <a:p>
+            <a:pPr algn="ctr">
+              <a:lnSpc>
+                <a:spcPct val="150000"/>
+              </a:lnSpc>
+            </a:pPr>
+            <a:r>
+              <a:rPr lang="en-US" sz="9600" b="1" cap="small" dirty="0">
+                <a:solidFill>
+                  <a:srgbClr val="C00000"/>
+                </a:solidFill>
+                <a:latin typeface="Oxygen" panose="02000503000000000000" pitchFamily="2" charset="0"/>
+              </a:rPr>
+              <a:t>ARTIFICIAL INTELLIGENCE – Class III – XII</a:t>
+            </a:r>
+          </a:p>
+          <a:p>
+            <a:pPr algn="ctr">
+              <a:lnSpc>
+                <a:spcPct val="150000"/>
+              </a:lnSpc>
+            </a:pPr>
+            <a:r>
+              <a:rPr lang="en-US" sz="9600" b="1" cap="small" dirty="0">
+                <a:solidFill>
+                  <a:srgbClr val="C00000"/>
+                </a:solidFill>
+                <a:latin typeface="Oxygen" panose="02000503000000000000" pitchFamily="2" charset="0"/>
+              </a:rPr>
+              <a:t>IT &amp; AI Professional Training &amp; Projects</a:t>
+            </a:r>
+          </a:p>
+          <a:p>
+            <a:pPr algn="ctr">
+              <a:lnSpc>
+                <a:spcPct val="150000"/>
+              </a:lnSpc>
+            </a:pPr>
+            <a:r>
+              <a:rPr lang="en-US" sz="9600" b="1" cap="small" dirty="0">
+                <a:solidFill>
+                  <a:srgbClr val="C00000"/>
+                </a:solidFill>
+                <a:latin typeface="Oxygen" panose="02000503000000000000" pitchFamily="2" charset="0"/>
+              </a:rPr>
+              <a:t>VIII-XII - All Subjects &amp; Boards</a:t>
+            </a:r>
+          </a:p>
+          <a:p>
+            <a:pPr algn="ctr">
+              <a:lnSpc>
+                <a:spcPct val="150000"/>
+              </a:lnSpc>
+            </a:pPr>
+            <a:r>
+              <a:rPr lang="en-US" sz="9600" b="1" cap="small" dirty="0">
+                <a:solidFill>
+                  <a:srgbClr val="C00000"/>
+                </a:solidFill>
+                <a:latin typeface="Oxygen" panose="02000503000000000000" pitchFamily="2" charset="0"/>
+              </a:rPr>
+              <a:t>NEET, IIT-JEE (Mains &amp; Advanced)</a:t>
+            </a:r>
+          </a:p>
+          <a:p>
+            <a:pPr algn="ctr">
+              <a:lnSpc>
+                <a:spcPct val="150000"/>
+              </a:lnSpc>
+            </a:pPr>
+            <a:r>
+              <a:rPr lang="en-US" sz="9600" b="1" cap="small" dirty="0">
+                <a:solidFill>
+                  <a:srgbClr val="C00000"/>
+                </a:solidFill>
+                <a:latin typeface="Oxygen" panose="02000503000000000000" pitchFamily="2" charset="0"/>
+              </a:rPr>
+              <a:t>BCom, BBA, CA, CMA, CS, CFA</a:t>
+            </a:r>
+          </a:p>
+          <a:p>
+            <a:pPr algn="ctr">
+              <a:lnSpc>
+                <a:spcPct val="150000"/>
+              </a:lnSpc>
+            </a:pPr>
+            <a:r>
+              <a:rPr lang="en-US" sz="9600" b="1" cap="small" dirty="0">
+                <a:solidFill>
+                  <a:srgbClr val="C00000"/>
+                </a:solidFill>
+                <a:latin typeface="Oxygen" panose="02000503000000000000" pitchFamily="2" charset="0"/>
+              </a:rPr>
+              <a:t>CLAT, LLB, LLM</a:t>
+            </a:r>
+          </a:p>
+          <a:p>
+            <a:pPr algn="ctr">
+              <a:lnSpc>
+                <a:spcPct val="150000"/>
+              </a:lnSpc>
+            </a:pPr>
+            <a:r>
+              <a:rPr lang="en-US" sz="9600" b="1" cap="small" dirty="0">
+                <a:solidFill>
+                  <a:srgbClr val="C00000"/>
+                </a:solidFill>
+                <a:latin typeface="Oxygen" panose="02000503000000000000" pitchFamily="2" charset="0"/>
+              </a:rPr>
+              <a:t>Grooming, IELTS, TOEFL, Foreign Languages</a:t>
+            </a:r>
+            <a:endParaRPr lang="en-US" sz="16600" b="1" cap="small" dirty="0">
+              <a:solidFill>
+                <a:srgbClr val="C00000"/>
+              </a:solidFill>
+              <a:latin typeface="Oxygen" panose="02000503000000000000" pitchFamily="2" charset="0"/>
+            </a:endParaRPr>
+          </a:p>
+        </p:txBody>
+      </p:sp>
+      <p:sp>
+        <p:nvSpPr>
+          <p:cNvPr id="6" name="Rectangle 5">
+            <a:extLst>
+              <a:ext uri="{FF2B5EF4-FFF2-40B4-BE49-F238E27FC236}">
+                <a16:creationId xmlns:a16="http://schemas.microsoft.com/office/drawing/2014/main" id="{3381F7A2-0B21-8051-C1CD-93B2A12CC517}"/>
+              </a:ext>
+            </a:extLst>
+          </p:cNvPr>
+          <p:cNvSpPr/>
+          <p:nvPr/>
+        </p:nvSpPr>
+        <p:spPr>
+          <a:xfrm>
+            <a:off x="-542" y="48592874"/>
+            <a:ext cx="25603742" cy="2613526"/>
+          </a:xfrm>
+          <a:prstGeom prst="rect">
+            <a:avLst/>
+          </a:prstGeom>
+          <a:gradFill>
+            <a:gsLst>
+              <a:gs pos="0">
+                <a:schemeClr val="accent1">
+                  <a:lumMod val="5000"/>
+                  <a:lumOff val="95000"/>
+                  <a:alpha val="0"/>
+                </a:schemeClr>
+              </a:gs>
+              <a:gs pos="61000">
+                <a:srgbClr val="FF8C52"/>
+              </a:gs>
+              <a:gs pos="40260">
+                <a:srgbClr val="FF8C52"/>
+              </a:gs>
+              <a:gs pos="72000">
+                <a:srgbClr val="FF8C52"/>
+              </a:gs>
+              <a:gs pos="100000">
+                <a:schemeClr val="accent1">
+                  <a:lumMod val="45000"/>
+                  <a:lumOff val="55000"/>
+                </a:schemeClr>
+              </a:gs>
+              <a:gs pos="99000">
+                <a:srgbClr val="FF8C52"/>
+              </a:gs>
+            </a:gsLst>
+            <a:lin ang="5400000" scaled="1"/>
+          </a:gradFill>
+          <a:ln>
+            <a:noFill/>
+          </a:ln>
+        </p:spPr>
+        <p:style>
+          <a:lnRef idx="2">
+            <a:schemeClr val="accent1">
+              <a:shade val="50000"/>
+            </a:schemeClr>
+          </a:lnRef>
+          <a:fillRef idx="1">
+            <a:schemeClr val="accent1"/>
+          </a:fillRef>
+          <a:effectRef idx="0">
+            <a:schemeClr val="accent1"/>
+          </a:effectRef>
+          <a:fontRef idx="minor">
+            <a:schemeClr val="lt1"/>
+          </a:fontRef>
+        </p:style>
+        <p:txBody>
+          <a:bodyPr rtlCol="0" anchor="ctr"/>
+          <a:lstStyle/>
+          <a:p>
+            <a:pPr algn="ctr"/>
+            <a:endParaRPr lang="en-AU"/>
+          </a:p>
+        </p:txBody>
+      </p:sp>
+      <p:pic>
+        <p:nvPicPr>
+          <p:cNvPr id="8" name="Picture 10" descr="New Instagram Logo PNG Images 2023">
+            <a:extLst>
+              <a:ext uri="{FF2B5EF4-FFF2-40B4-BE49-F238E27FC236}">
+                <a16:creationId xmlns:a16="http://schemas.microsoft.com/office/drawing/2014/main" id="{AE68C6C8-DC30-A626-D60A-9AD5F399E8F3}"/>
+              </a:ext>
+            </a:extLst>
+          </p:cNvPr>
+          <p:cNvPicPr>
+            <a:picLocks noChangeAspect="1" noChangeArrowheads="1"/>
+          </p:cNvPicPr>
+          <p:nvPr/>
+        </p:nvPicPr>
+        <p:blipFill>
+          <a:blip r:embed="rId12" cstate="print">
+            <a:extLst>
+              <a:ext uri="{28A0092B-C50C-407E-A947-70E740481C1C}">
+                <a14:useLocalDpi xmlns:a14="http://schemas.microsoft.com/office/drawing/2010/main" val="0"/>
+              </a:ext>
+            </a:extLst>
+          </a:blip>
+          <a:srcRect/>
+          <a:stretch>
+            <a:fillRect/>
+          </a:stretch>
+        </p:blipFill>
+        <p:spPr bwMode="auto">
+          <a:xfrm>
+            <a:off x="1067307" y="49589322"/>
+            <a:ext cx="1345176" cy="1345176"/>
+          </a:xfrm>
+          <a:prstGeom prst="rect">
+            <a:avLst/>
+          </a:prstGeom>
+          <a:noFill/>
+          <a:extLst>
+            <a:ext uri="{909E8E84-426E-40DD-AFC4-6F175D3DCCD1}">
+              <a14:hiddenFill xmlns:a14="http://schemas.microsoft.com/office/drawing/2010/main">
+                <a:solidFill>
+                  <a:srgbClr val="FFFFFF"/>
+                </a:solidFill>
+              </a14:hiddenFill>
+            </a:ext>
+          </a:extLst>
+        </p:spPr>
+      </p:pic>
+      <p:sp>
+        <p:nvSpPr>
+          <p:cNvPr id="9" name="Rectangle 8">
+            <a:extLst>
+              <a:ext uri="{FF2B5EF4-FFF2-40B4-BE49-F238E27FC236}">
+                <a16:creationId xmlns:a16="http://schemas.microsoft.com/office/drawing/2014/main" id="{1822EA2D-220B-0779-1373-68628DAE554D}"/>
+              </a:ext>
+            </a:extLst>
+          </p:cNvPr>
+          <p:cNvSpPr/>
+          <p:nvPr/>
+        </p:nvSpPr>
+        <p:spPr>
+          <a:xfrm>
+            <a:off x="8621643" y="49810249"/>
+            <a:ext cx="16517663" cy="1015663"/>
+          </a:xfrm>
+          <a:prstGeom prst="rect">
+            <a:avLst/>
+          </a:prstGeom>
+        </p:spPr>
+        <p:txBody>
+          <a:bodyPr wrap="none">
+            <a:spAutoFit/>
+          </a:bodyPr>
+          <a:lstStyle/>
+          <a:p>
+            <a:r>
+              <a:rPr lang="en-US" sz="6000" b="1" dirty="0">
+                <a:solidFill>
+                  <a:srgbClr val="0000FF"/>
+                </a:solidFill>
+                <a:latin typeface="Oxygen" panose="02000503000000000000" pitchFamily="2" charset="0"/>
+              </a:rPr>
+              <a:t>www.anodiam.com || anirban@anodiam.com</a:t>
+            </a:r>
+            <a:endParaRPr lang="en-AU" sz="6000" dirty="0">
+              <a:solidFill>
+                <a:srgbClr val="0000FF"/>
+              </a:solidFill>
+            </a:endParaRPr>
+          </a:p>
+        </p:txBody>
+      </p:sp>
+      <p:sp>
+        <p:nvSpPr>
+          <p:cNvPr id="13" name="Freeform: Shape 12">
+            <a:extLst>
+              <a:ext uri="{FF2B5EF4-FFF2-40B4-BE49-F238E27FC236}">
+                <a16:creationId xmlns:a16="http://schemas.microsoft.com/office/drawing/2014/main" id="{B5B90F3D-6BE1-686A-D772-E4E36C45908A}"/>
+              </a:ext>
+            </a:extLst>
+          </p:cNvPr>
+          <p:cNvSpPr/>
+          <p:nvPr/>
+        </p:nvSpPr>
+        <p:spPr>
+          <a:xfrm>
+            <a:off x="3697699" y="49635972"/>
+            <a:ext cx="1402121" cy="1251875"/>
+          </a:xfrm>
+          <a:custGeom>
+            <a:avLst/>
+            <a:gdLst>
+              <a:gd name="connsiteX0" fmla="*/ 685800 w 1371600"/>
+              <a:gd name="connsiteY0" fmla="*/ 0 h 1371600"/>
+              <a:gd name="connsiteX1" fmla="*/ 1371600 w 1371600"/>
+              <a:gd name="connsiteY1" fmla="*/ 685800 h 1371600"/>
+              <a:gd name="connsiteX2" fmla="*/ 685800 w 1371600"/>
+              <a:gd name="connsiteY2" fmla="*/ 1371600 h 1371600"/>
+              <a:gd name="connsiteX3" fmla="*/ 679237 w 1371600"/>
+              <a:gd name="connsiteY3" fmla="*/ 1370939 h 1371600"/>
+              <a:gd name="connsiteX4" fmla="*/ 679237 w 1371600"/>
+              <a:gd name="connsiteY4" fmla="*/ 1128292 h 1371600"/>
+              <a:gd name="connsiteX5" fmla="*/ 677557 w 1371600"/>
+              <a:gd name="connsiteY5" fmla="*/ 1128292 h 1371600"/>
+              <a:gd name="connsiteX6" fmla="*/ 677557 w 1371600"/>
+              <a:gd name="connsiteY6" fmla="*/ 813932 h 1371600"/>
+              <a:gd name="connsiteX7" fmla="*/ 809197 w 1371600"/>
+              <a:gd name="connsiteY7" fmla="*/ 813932 h 1371600"/>
+              <a:gd name="connsiteX8" fmla="*/ 877992 w 1371600"/>
+              <a:gd name="connsiteY8" fmla="*/ 663962 h 1371600"/>
+              <a:gd name="connsiteX9" fmla="*/ 677557 w 1371600"/>
+              <a:gd name="connsiteY9" fmla="*/ 663962 h 1371600"/>
+              <a:gd name="connsiteX10" fmla="*/ 677557 w 1371600"/>
+              <a:gd name="connsiteY10" fmla="*/ 438024 h 1371600"/>
+              <a:gd name="connsiteX11" fmla="*/ 677060 w 1371600"/>
+              <a:gd name="connsiteY11" fmla="*/ 438024 h 1371600"/>
+              <a:gd name="connsiteX12" fmla="*/ 680069 w 1371600"/>
+              <a:gd name="connsiteY12" fmla="*/ 424477 h 1371600"/>
+              <a:gd name="connsiteX13" fmla="*/ 803425 w 1371600"/>
+              <a:gd name="connsiteY13" fmla="*/ 350145 h 1371600"/>
+              <a:gd name="connsiteX14" fmla="*/ 803425 w 1371600"/>
+              <a:gd name="connsiteY14" fmla="*/ 349601 h 1371600"/>
+              <a:gd name="connsiteX15" fmla="*/ 958412 w 1371600"/>
+              <a:gd name="connsiteY15" fmla="*/ 349601 h 1371600"/>
+              <a:gd name="connsiteX16" fmla="*/ 958412 w 1371600"/>
+              <a:gd name="connsiteY16" fmla="*/ 167585 h 1371600"/>
+              <a:gd name="connsiteX17" fmla="*/ 803425 w 1371600"/>
+              <a:gd name="connsiteY17" fmla="*/ 167585 h 1371600"/>
+              <a:gd name="connsiteX18" fmla="*/ 768066 w 1371600"/>
+              <a:gd name="connsiteY18" fmla="*/ 167585 h 1371600"/>
+              <a:gd name="connsiteX19" fmla="*/ 768066 w 1371600"/>
+              <a:gd name="connsiteY19" fmla="*/ 173210 h 1371600"/>
+              <a:gd name="connsiteX20" fmla="*/ 687363 w 1371600"/>
+              <a:gd name="connsiteY20" fmla="*/ 186047 h 1371600"/>
+              <a:gd name="connsiteX21" fmla="*/ 472729 w 1371600"/>
+              <a:gd name="connsiteY21" fmla="*/ 410531 h 1371600"/>
+              <a:gd name="connsiteX22" fmla="*/ 469654 w 1371600"/>
+              <a:gd name="connsiteY22" fmla="*/ 438024 h 1371600"/>
+              <a:gd name="connsiteX23" fmla="*/ 465871 w 1371600"/>
+              <a:gd name="connsiteY23" fmla="*/ 438024 h 1371600"/>
+              <a:gd name="connsiteX24" fmla="*/ 465871 w 1371600"/>
+              <a:gd name="connsiteY24" fmla="*/ 471852 h 1371600"/>
+              <a:gd name="connsiteX25" fmla="*/ 465871 w 1371600"/>
+              <a:gd name="connsiteY25" fmla="*/ 663962 h 1371600"/>
+              <a:gd name="connsiteX26" fmla="*/ 333440 w 1371600"/>
+              <a:gd name="connsiteY26" fmla="*/ 663962 h 1371600"/>
+              <a:gd name="connsiteX27" fmla="*/ 333440 w 1371600"/>
+              <a:gd name="connsiteY27" fmla="*/ 813932 h 1371600"/>
+              <a:gd name="connsiteX28" fmla="*/ 465871 w 1371600"/>
+              <a:gd name="connsiteY28" fmla="*/ 813932 h 1371600"/>
+              <a:gd name="connsiteX29" fmla="*/ 465871 w 1371600"/>
+              <a:gd name="connsiteY29" fmla="*/ 1128292 h 1371600"/>
+              <a:gd name="connsiteX30" fmla="*/ 465871 w 1371600"/>
+              <a:gd name="connsiteY30" fmla="*/ 1223747 h 1371600"/>
+              <a:gd name="connsiteX31" fmla="*/ 465871 w 1371600"/>
+              <a:gd name="connsiteY31" fmla="*/ 1332301 h 1371600"/>
+              <a:gd name="connsiteX32" fmla="*/ 418856 w 1371600"/>
+              <a:gd name="connsiteY32" fmla="*/ 1317707 h 1371600"/>
+              <a:gd name="connsiteX33" fmla="*/ 0 w 1371600"/>
+              <a:gd name="connsiteY33" fmla="*/ 685800 h 1371600"/>
+              <a:gd name="connsiteX34" fmla="*/ 685800 w 1371600"/>
+              <a:gd name="connsiteY34" fmla="*/ 0 h 1371600"/>
+            </a:gdLst>
+            <a:ahLst/>
+            <a:cxnLst>
+              <a:cxn ang="0">
+                <a:pos x="connsiteX0" y="connsiteY0"/>
+              </a:cxn>
+              <a:cxn ang="0">
+                <a:pos x="connsiteX1" y="connsiteY1"/>
+              </a:cxn>
+              <a:cxn ang="0">
+                <a:pos x="connsiteX2" y="connsiteY2"/>
+              </a:cxn>
+              <a:cxn ang="0">
+                <a:pos x="connsiteX3" y="connsiteY3"/>
+              </a:cxn>
+              <a:cxn ang="0">
+                <a:pos x="connsiteX4" y="connsiteY4"/>
+              </a:cxn>
+              <a:cxn ang="0">
+                <a:pos x="connsiteX5" y="connsiteY5"/>
+              </a:cxn>
+              <a:cxn ang="0">
+                <a:pos x="connsiteX6" y="connsiteY6"/>
+              </a:cxn>
+              <a:cxn ang="0">
+                <a:pos x="connsiteX7" y="connsiteY7"/>
+              </a:cxn>
+              <a:cxn ang="0">
+                <a:pos x="connsiteX8" y="connsiteY8"/>
+              </a:cxn>
+              <a:cxn ang="0">
+                <a:pos x="connsiteX9" y="connsiteY9"/>
+              </a:cxn>
+              <a:cxn ang="0">
+                <a:pos x="connsiteX10" y="connsiteY10"/>
+              </a:cxn>
+              <a:cxn ang="0">
+                <a:pos x="connsiteX11" y="connsiteY11"/>
+              </a:cxn>
+              <a:cxn ang="0">
+                <a:pos x="connsiteX12" y="connsiteY12"/>
+              </a:cxn>
+              <a:cxn ang="0">
+                <a:pos x="connsiteX13" y="connsiteY13"/>
+              </a:cxn>
+              <a:cxn ang="0">
+                <a:pos x="connsiteX14" y="connsiteY14"/>
+              </a:cxn>
+              <a:cxn ang="0">
+                <a:pos x="connsiteX15" y="connsiteY15"/>
+              </a:cxn>
+              <a:cxn ang="0">
+                <a:pos x="connsiteX16" y="connsiteY16"/>
+              </a:cxn>
+              <a:cxn ang="0">
+                <a:pos x="connsiteX17" y="connsiteY17"/>
+              </a:cxn>
+              <a:cxn ang="0">
+                <a:pos x="connsiteX18" y="connsiteY18"/>
+              </a:cxn>
+              <a:cxn ang="0">
+                <a:pos x="connsiteX19" y="connsiteY19"/>
+              </a:cxn>
+              <a:cxn ang="0">
+                <a:pos x="connsiteX20" y="connsiteY20"/>
+              </a:cxn>
+              <a:cxn ang="0">
+                <a:pos x="connsiteX21" y="connsiteY21"/>
+              </a:cxn>
+              <a:cxn ang="0">
+                <a:pos x="connsiteX22" y="connsiteY22"/>
+              </a:cxn>
+              <a:cxn ang="0">
+                <a:pos x="connsiteX23" y="connsiteY23"/>
+              </a:cxn>
+              <a:cxn ang="0">
+                <a:pos x="connsiteX24" y="connsiteY24"/>
+              </a:cxn>
+              <a:cxn ang="0">
+                <a:pos x="connsiteX25" y="connsiteY25"/>
+              </a:cxn>
+              <a:cxn ang="0">
+                <a:pos x="connsiteX26" y="connsiteY26"/>
+              </a:cxn>
+              <a:cxn ang="0">
+                <a:pos x="connsiteX27" y="connsiteY27"/>
+              </a:cxn>
+              <a:cxn ang="0">
+                <a:pos x="connsiteX28" y="connsiteY28"/>
+              </a:cxn>
+              <a:cxn ang="0">
+                <a:pos x="connsiteX29" y="connsiteY29"/>
+              </a:cxn>
+              <a:cxn ang="0">
+                <a:pos x="connsiteX30" y="connsiteY30"/>
+              </a:cxn>
+              <a:cxn ang="0">
+                <a:pos x="connsiteX31" y="connsiteY31"/>
+              </a:cxn>
+              <a:cxn ang="0">
+                <a:pos x="connsiteX32" y="connsiteY32"/>
+              </a:cxn>
+              <a:cxn ang="0">
+                <a:pos x="connsiteX33" y="connsiteY33"/>
+              </a:cxn>
+              <a:cxn ang="0">
+                <a:pos x="connsiteX34" y="connsiteY34"/>
+              </a:cxn>
+            </a:cxnLst>
+            <a:rect l="l" t="t" r="r" b="b"/>
+            <a:pathLst>
+              <a:path w="1371600" h="1371600">
+                <a:moveTo>
+                  <a:pt x="685800" y="0"/>
+                </a:moveTo>
+                <a:cubicBezTo>
+                  <a:pt x="1064557" y="0"/>
+                  <a:pt x="1371600" y="307043"/>
+                  <a:pt x="1371600" y="685800"/>
+                </a:cubicBezTo>
+                <a:cubicBezTo>
+                  <a:pt x="1371600" y="1064557"/>
+                  <a:pt x="1064557" y="1371600"/>
+                  <a:pt x="685800" y="1371600"/>
+                </a:cubicBezTo>
+                <a:lnTo>
+                  <a:pt x="679237" y="1370939"/>
+                </a:lnTo>
+                <a:lnTo>
+                  <a:pt x="679237" y="1128292"/>
+                </a:lnTo>
+                <a:lnTo>
+                  <a:pt x="677557" y="1128292"/>
+                </a:lnTo>
+                <a:lnTo>
+                  <a:pt x="677557" y="813932"/>
+                </a:lnTo>
+                <a:lnTo>
+                  <a:pt x="809197" y="813932"/>
+                </a:lnTo>
+                <a:lnTo>
+                  <a:pt x="877992" y="663962"/>
+                </a:lnTo>
+                <a:lnTo>
+                  <a:pt x="677557" y="663962"/>
+                </a:lnTo>
+                <a:lnTo>
+                  <a:pt x="677557" y="438024"/>
+                </a:lnTo>
+                <a:lnTo>
+                  <a:pt x="677060" y="438024"/>
+                </a:lnTo>
+                <a:lnTo>
+                  <a:pt x="680069" y="424477"/>
+                </a:lnTo>
+                <a:cubicBezTo>
+                  <a:pt x="700392" y="380795"/>
+                  <a:pt x="747971" y="350145"/>
+                  <a:pt x="803425" y="350145"/>
+                </a:cubicBezTo>
+                <a:lnTo>
+                  <a:pt x="803425" y="349601"/>
+                </a:lnTo>
+                <a:lnTo>
+                  <a:pt x="958412" y="349601"/>
+                </a:lnTo>
+                <a:lnTo>
+                  <a:pt x="958412" y="167585"/>
+                </a:lnTo>
+                <a:lnTo>
+                  <a:pt x="803425" y="167585"/>
+                </a:lnTo>
+                <a:lnTo>
+                  <a:pt x="768066" y="167585"/>
+                </a:lnTo>
+                <a:lnTo>
+                  <a:pt x="768066" y="173210"/>
+                </a:lnTo>
+                <a:lnTo>
+                  <a:pt x="687363" y="186047"/>
+                </a:lnTo>
+                <a:cubicBezTo>
+                  <a:pt x="578794" y="221881"/>
+                  <a:pt x="496336" y="306544"/>
+                  <a:pt x="472729" y="410531"/>
+                </a:cubicBezTo>
+                <a:lnTo>
+                  <a:pt x="469654" y="438024"/>
+                </a:lnTo>
+                <a:lnTo>
+                  <a:pt x="465871" y="438024"/>
+                </a:lnTo>
+                <a:lnTo>
+                  <a:pt x="465871" y="471852"/>
+                </a:lnTo>
+                <a:lnTo>
+                  <a:pt x="465871" y="663962"/>
+                </a:lnTo>
+                <a:lnTo>
+                  <a:pt x="333440" y="663962"/>
+                </a:lnTo>
+                <a:lnTo>
+                  <a:pt x="333440" y="813932"/>
+                </a:lnTo>
+                <a:lnTo>
+                  <a:pt x="465871" y="813932"/>
+                </a:lnTo>
+                <a:lnTo>
+                  <a:pt x="465871" y="1128292"/>
+                </a:lnTo>
+                <a:lnTo>
+                  <a:pt x="465871" y="1223747"/>
+                </a:lnTo>
+                <a:lnTo>
+                  <a:pt x="465871" y="1332301"/>
+                </a:lnTo>
+                <a:lnTo>
+                  <a:pt x="418856" y="1317707"/>
+                </a:lnTo>
+                <a:cubicBezTo>
+                  <a:pt x="172712" y="1213597"/>
+                  <a:pt x="0" y="969868"/>
+                  <a:pt x="0" y="685800"/>
+                </a:cubicBezTo>
+                <a:cubicBezTo>
+                  <a:pt x="0" y="307043"/>
+                  <a:pt x="307043" y="0"/>
+                  <a:pt x="685800" y="0"/>
+                </a:cubicBezTo>
+                <a:close/>
+              </a:path>
+            </a:pathLst>
+          </a:custGeom>
+          <a:solidFill>
+            <a:srgbClr val="0066FF"/>
+          </a:solidFill>
+          <a:ln>
+            <a:noFill/>
+          </a:ln>
+        </p:spPr>
+        <p:style>
+          <a:lnRef idx="2">
+            <a:schemeClr val="accent1">
+              <a:shade val="15000"/>
+            </a:schemeClr>
+          </a:lnRef>
+          <a:fillRef idx="1">
+            <a:schemeClr val="accent1"/>
+          </a:fillRef>
+          <a:effectRef idx="0">
+            <a:schemeClr val="accent1"/>
+          </a:effectRef>
+          <a:fontRef idx="minor">
+            <a:schemeClr val="lt1"/>
+          </a:fontRef>
+        </p:style>
+        <p:txBody>
+          <a:bodyPr wrap="square" rtlCol="0" anchor="ctr">
+            <a:noAutofit/>
+          </a:bodyPr>
+          <a:lstStyle/>
+          <a:p>
+            <a:pPr algn="ctr"/>
+            <a:endParaRPr lang="en-US"/>
+          </a:p>
+        </p:txBody>
+      </p:sp>
+      <p:pic>
+        <p:nvPicPr>
+          <p:cNvPr id="17" name="Picture 2" descr="Download Google Play Icon Royalty-Free Vector Graphic - Pixabay">
+            <a:extLst>
+              <a:ext uri="{FF2B5EF4-FFF2-40B4-BE49-F238E27FC236}">
+                <a16:creationId xmlns:a16="http://schemas.microsoft.com/office/drawing/2014/main" id="{2F2F714E-0E31-7EC1-A21F-DFAD284F6593}"/>
+              </a:ext>
+            </a:extLst>
+          </p:cNvPr>
+          <p:cNvPicPr>
+            <a:picLocks noChangeAspect="1" noChangeArrowheads="1"/>
+          </p:cNvPicPr>
+          <p:nvPr/>
+        </p:nvPicPr>
+        <p:blipFill>
+          <a:blip r:embed="rId13">
+            <a:extLst>
+              <a:ext uri="{28A0092B-C50C-407E-A947-70E740481C1C}">
+                <a14:useLocalDpi xmlns:a14="http://schemas.microsoft.com/office/drawing/2010/main" val="0"/>
+              </a:ext>
+            </a:extLst>
+          </a:blip>
+          <a:srcRect/>
+          <a:stretch>
+            <a:fillRect/>
+          </a:stretch>
+        </p:blipFill>
+        <p:spPr bwMode="auto">
+          <a:xfrm>
+            <a:off x="6477757" y="49604606"/>
+            <a:ext cx="1186611" cy="1330620"/>
+          </a:xfrm>
+          <a:prstGeom prst="rect">
+            <a:avLst/>
+          </a:prstGeom>
+          <a:noFill/>
+          <a:extLst>
+            <a:ext uri="{909E8E84-426E-40DD-AFC4-6F175D3DCCD1}">
+              <a14:hiddenFill xmlns:a14="http://schemas.microsoft.com/office/drawing/2010/main">
+                <a:solidFill>
+                  <a:srgbClr val="FFFFFF"/>
+                </a:solidFill>
+              </a14:hiddenFill>
+            </a:ext>
+          </a:extLst>
+        </p:spPr>
+      </p:pic>
+    </p:spTree>
+    <p:extLst>
+      <p:ext uri="{BB962C8B-B14F-4D97-AF65-F5344CB8AC3E}">
+        <p14:creationId xmlns:p14="http://schemas.microsoft.com/office/powerpoint/2010/main" val="1163593327"/>
       </p:ext>
     </p:extLst>
   </p:cSld>
